--- a/presentations/CMAPP_poster.pptx
+++ b/presentations/CMAPP_poster.pptx
@@ -90,7 +90,7 @@
         <p:spPr>
           <a:xfrm>
             <a:off x="0" y="-4320"/>
-            <a:ext cx="43890840" cy="32973120"/>
+            <a:ext cx="43890480" cy="32972760"/>
           </a:xfrm>
           <a:prstGeom prst="rect">
             <a:avLst/>
@@ -146,7 +146,7 @@
         <p:spPr>
           <a:xfrm>
             <a:off x="1567440" y="32391000"/>
-            <a:ext cx="2514240" cy="319320"/>
+            <a:ext cx="2513880" cy="317880"/>
           </a:xfrm>
           <a:prstGeom prst="rect">
             <a:avLst/>
@@ -163,7 +163,7 @@
           <a:fontRef idx="minor"/>
         </p:style>
         <p:txBody>
-          <a:bodyPr anchor="t">
+          <a:bodyPr lIns="90000" rIns="90000" tIns="45000" bIns="45000" anchor="t">
             <a:spAutoFit/>
           </a:bodyPr>
           <a:p>
@@ -231,7 +231,7 @@
         <p:spPr>
           <a:xfrm>
             <a:off x="0" y="31902480"/>
-            <a:ext cx="43890840" cy="1028160"/>
+            <a:ext cx="43890480" cy="1027800"/>
           </a:xfrm>
           <a:prstGeom prst="rect">
             <a:avLst/>
@@ -287,7 +287,7 @@
         <p:spPr>
           <a:xfrm>
             <a:off x="0" y="-4320"/>
-            <a:ext cx="43890840" cy="1028160"/>
+            <a:ext cx="43890480" cy="1027800"/>
           </a:xfrm>
           <a:prstGeom prst="rect">
             <a:avLst/>
@@ -343,7 +343,7 @@
         <p:spPr>
           <a:xfrm>
             <a:off x="10972800" y="-4320"/>
-            <a:ext cx="21945240" cy="32918040"/>
+            <a:ext cx="21944880" cy="32917680"/>
           </a:xfrm>
           <a:prstGeom prst="roundRect">
             <a:avLst>
@@ -399,7 +399,7 @@
         <p:spPr>
           <a:xfrm>
             <a:off x="700560" y="32061960"/>
-            <a:ext cx="8291160" cy="581760"/>
+            <a:ext cx="8290800" cy="581760"/>
           </a:xfrm>
           <a:prstGeom prst="rect">
             <a:avLst/>
@@ -483,7 +483,7 @@
         </p:nvGraphicFramePr>
         <p:xfrm>
           <a:off x="-10611000" y="14040"/>
-          <a:ext cx="9776520" cy="32679000"/>
+          <a:ext cx="9776160" cy="32677560"/>
         </p:xfrm>
         <a:graphic>
           <a:graphicData uri="http://schemas.openxmlformats.org/drawingml/2006/table">
@@ -496,7 +496,7 @@
               <a:tr h="1328760">
                 <a:tc gridSpan="2">
                   <a:txBody>
-                    <a:bodyPr lIns="182880" tIns="137160" anchor="t">
+                    <a:bodyPr lIns="182880" anchor="t">
                       <a:noAutofit/>
                     </a:bodyPr>
                     <a:p>
@@ -509,7 +509,7 @@
                         </a:tabLst>
                       </a:pPr>
                       <a:r>
-                        <a:rPr b="0" lang="en-US" sz="3600" spc="599" strike="noStrike">
+                        <a:rPr b="0" lang="en-US" sz="3600" spc="596" strike="noStrike">
                           <a:solidFill>
                             <a:srgbClr val="1f3a4e"/>
                           </a:solidFill>
@@ -603,7 +603,7 @@
               <a:tr h="4206600">
                 <a:tc gridSpan="2">
                   <a:txBody>
-                    <a:bodyPr lIns="182880" tIns="137160" anchor="t">
+                    <a:bodyPr lIns="182880" anchor="t">
                       <a:noAutofit/>
                     </a:bodyPr>
                     <a:p>
@@ -958,7 +958,7 @@
                         <a:t>48 inches wide</a:t>
                       </a:r>
                       <a:br>
-                        <a:rPr sz="2000"/>
+                        <a:rPr sz="3600"/>
                       </a:br>
                       <a:endParaRPr b="0" lang="en-US" sz="3600" spc="-1" strike="noStrike">
                         <a:solidFill>
@@ -1000,7 +1000,7 @@
                 </a:tc>
                 <a:tc>
                   <a:txBody>
-                    <a:bodyPr lIns="182880" tIns="137160" anchor="t">
+                    <a:bodyPr lIns="182880" anchor="t">
                       <a:noAutofit/>
                     </a:bodyPr>
                     <a:p>
@@ -1168,7 +1168,7 @@
                 </a:tc>
                 <a:tc>
                   <a:txBody>
-                    <a:bodyPr lIns="182880" tIns="137160" anchor="t">
+                    <a:bodyPr lIns="182880" anchor="t">
                       <a:noAutofit/>
                     </a:bodyPr>
                     <a:p>
@@ -1471,7 +1471,7 @@
                 </a:tc>
                 <a:tc>
                   <a:txBody>
-                    <a:bodyPr lIns="182880" tIns="137160" anchor="t">
+                    <a:bodyPr lIns="182880" anchor="t">
                       <a:noAutofit/>
                     </a:bodyPr>
                     <a:p>
@@ -1777,7 +1777,7 @@
               <a:tr h="2377440">
                 <a:tc gridSpan="2">
                   <a:txBody>
-                    <a:bodyPr lIns="182880" tIns="137160" anchor="t">
+                    <a:bodyPr lIns="182880" anchor="t">
                       <a:noAutofit/>
                     </a:bodyPr>
                     <a:p>
@@ -1897,7 +1897,7 @@
               <a:tr h="2292840">
                 <a:tc gridSpan="2">
                   <a:txBody>
-                    <a:bodyPr lIns="182880" tIns="137160" anchor="t">
+                    <a:bodyPr lIns="182880" anchor="t">
                       <a:noAutofit/>
                     </a:bodyPr>
                     <a:p>
@@ -1976,7 +1976,7 @@
               <a:tr h="1280160">
                 <a:tc gridSpan="2">
                   <a:txBody>
-                    <a:bodyPr lIns="182880" tIns="137160" anchor="t">
+                    <a:bodyPr lIns="182880" anchor="t">
                       <a:noAutofit/>
                     </a:bodyPr>
                     <a:p>
@@ -2096,7 +2096,7 @@
               <a:tr h="3187080">
                 <a:tc gridSpan="2">
                   <a:txBody>
-                    <a:bodyPr lIns="182880" tIns="137160" anchor="t">
+                    <a:bodyPr lIns="182880" anchor="t">
                       <a:noAutofit/>
                     </a:bodyPr>
                     <a:p>
@@ -2184,7 +2184,7 @@
         </p:nvGraphicFramePr>
         <p:xfrm>
           <a:off x="44695080" y="-84600"/>
-          <a:ext cx="9429840" cy="33074640"/>
+          <a:ext cx="9429120" cy="33073560"/>
         </p:xfrm>
         <a:graphic>
           <a:graphicData uri="http://schemas.openxmlformats.org/drawingml/2006/table">
@@ -2198,7 +2198,7 @@
               <a:tr h="1756080">
                 <a:tc gridSpan="3">
                   <a:txBody>
-                    <a:bodyPr lIns="182880" tIns="137160" anchor="t">
+                    <a:bodyPr lIns="182880" anchor="t">
                       <a:noAutofit/>
                     </a:bodyPr>
                     <a:p>
@@ -2211,7 +2211,7 @@
                         </a:tabLst>
                       </a:pPr>
                       <a:r>
-                        <a:rPr b="0" lang="en-US" sz="4000" spc="599" strike="noStrike">
+                        <a:rPr b="0" lang="en-US" sz="4000" spc="596" strike="noStrike">
                           <a:solidFill>
                             <a:srgbClr val="1f3a4e"/>
                           </a:solidFill>
@@ -2337,7 +2337,7 @@
               <a:tr h="5563080">
                 <a:tc gridSpan="3">
                   <a:txBody>
-                    <a:bodyPr lIns="182880" tIns="137160" anchor="t">
+                    <a:bodyPr lIns="182880" anchor="t">
                       <a:noAutofit/>
                     </a:bodyPr>
                     <a:p>
@@ -2383,7 +2383,7 @@
                       <a:r>
                         <a:rPr b="0" lang="en-US" sz="2400" spc="-1" strike="noStrike" u="sng">
                           <a:solidFill>
-                            <a:srgbClr val="ffc000"/>
+                            <a:srgbClr val="f59e00"/>
                           </a:solidFill>
                           <a:uFillTx/>
                           <a:latin typeface="Calibri"/>
@@ -2579,7 +2579,7 @@
               <a:tr h="3667680">
                 <a:tc gridSpan="3">
                   <a:txBody>
-                    <a:bodyPr lIns="182880" tIns="137160" anchor="t">
+                    <a:bodyPr lIns="182880" anchor="t">
                       <a:noAutofit/>
                     </a:bodyPr>
                     <a:p>
@@ -2760,7 +2760,7 @@
               <a:tr h="5176800">
                 <a:tc gridSpan="2">
                   <a:txBody>
-                    <a:bodyPr lIns="182880" tIns="137160" anchor="t">
+                    <a:bodyPr lIns="182880" anchor="t">
                       <a:noAutofit/>
                     </a:bodyPr>
                     <a:p>
@@ -2837,7 +2837,7 @@
                 </a:tc>
                 <a:tc rowSpan="2">
                   <a:txBody>
-                    <a:bodyPr lIns="182880" tIns="137160" anchor="t">
+                    <a:bodyPr lIns="182880" anchor="t">
                       <a:noAutofit/>
                     </a:bodyPr>
                     <a:p>
@@ -3096,7 +3096,7 @@
               <a:tr h="2888280">
                 <a:tc gridSpan="2">
                   <a:txBody>
-                    <a:bodyPr lIns="182880" tIns="137160" anchor="t">
+                    <a:bodyPr lIns="182880" anchor="t">
                       <a:noAutofit/>
                     </a:bodyPr>
                     <a:p>
@@ -3206,7 +3206,7 @@
               <a:tr h="3781080">
                 <a:tc gridSpan="2">
                   <a:txBody>
-                    <a:bodyPr lIns="182880" tIns="137160" anchor="t">
+                    <a:bodyPr lIns="182880" anchor="t">
                       <a:noAutofit/>
                     </a:bodyPr>
                     <a:p>
@@ -3354,7 +3354,7 @@
                 </a:tc>
                 <a:tc>
                   <a:txBody>
-                    <a:bodyPr lIns="182880" tIns="137160" anchor="ctr">
+                    <a:bodyPr lIns="182880" anchor="ctr">
                       <a:noAutofit/>
                     </a:bodyPr>
                     <a:p>
@@ -3426,7 +3426,7 @@
               <a:tr h="5673960">
                 <a:tc gridSpan="3">
                   <a:txBody>
-                    <a:bodyPr lIns="182880" tIns="137160" anchor="t">
+                    <a:bodyPr lIns="182880" anchor="t">
                       <a:noAutofit/>
                     </a:bodyPr>
                     <a:p>
@@ -3685,7 +3685,7 @@
               <a:tr h="1354680">
                 <a:tc gridSpan="3">
                   <a:txBody>
-                    <a:bodyPr lIns="182880" tIns="137160" anchor="t">
+                    <a:bodyPr lIns="182880" anchor="t">
                       <a:noAutofit/>
                     </a:bodyPr>
                     <a:p>
@@ -3796,7 +3796,7 @@
               <a:tr h="3211920">
                 <a:tc>
                   <a:txBody>
-                    <a:bodyPr lIns="182880" tIns="137160" anchor="t">
+                    <a:bodyPr lIns="182880" anchor="t">
                       <a:noAutofit/>
                     </a:bodyPr>
                     <a:p>
@@ -3894,7 +3894,7 @@
                 </a:tc>
                 <a:tc gridSpan="2">
                   <a:txBody>
-                    <a:bodyPr lIns="182880" tIns="137160" anchor="t">
+                    <a:bodyPr lIns="182880" anchor="t">
                       <a:noAutofit/>
                     </a:bodyPr>
                     <a:p>
@@ -4022,13 +4022,13 @@
             <a:spLocks noGrp="1"/>
           </p:cNvSpPr>
           <p:nvPr>
-            <p:ph type="body"/>
+            <p:ph type="title"/>
           </p:nvPr>
         </p:nvSpPr>
         <p:spPr>
           <a:xfrm>
-            <a:off x="922680" y="11437200"/>
-            <a:ext cx="9143640" cy="953640"/>
+            <a:off x="2194560" y="1313280"/>
+            <a:ext cx="39501720" cy="5496840"/>
           </a:xfrm>
           <a:prstGeom prst="rect">
             <a:avLst/>
@@ -4039,36 +4039,27 @@
           </a:ln>
         </p:spPr>
         <p:txBody>
-          <a:bodyPr lIns="228600" rIns="228600" tIns="228600" bIns="228600" anchor="t">
+          <a:bodyPr lIns="0" rIns="0" tIns="0" bIns="0" anchor="ctr">
             <a:noAutofit/>
           </a:bodyPr>
           <a:p>
-            <a:pPr indent="0" defTabSz="4388760">
-              <a:lnSpc>
-                <a:spcPct val="100000"/>
-              </a:lnSpc>
-              <a:spcBef>
-                <a:spcPts val="641"/>
-              </a:spcBef>
+            <a:pPr indent="0" algn="ctr">
               <a:buNone/>
-              <a:tabLst>
-                <a:tab algn="l" pos="0"/>
-              </a:tabLst>
             </a:pPr>
             <a:r>
-              <a:rPr b="0" lang="en-US" sz="3200" spc="-1" strike="noStrike">
-                <a:solidFill>
-                  <a:schemeClr val="dk2"/>
-                </a:solidFill>
-                <a:latin typeface="Calibri"/>
-              </a:rPr>
-              <a:t>Type in or paste your text here</a:t>
-            </a:r>
-            <a:endParaRPr b="0" lang="en-US" sz="3200" spc="-1" strike="noStrike">
+              <a:rPr b="0" lang="en-US" sz="4400" spc="-1" strike="noStrike">
+                <a:solidFill>
+                  <a:srgbClr val="000000"/>
+                </a:solidFill>
+                <a:latin typeface="Arial"/>
+              </a:rPr>
+              <a:t>Click to edit the title text format</a:t>
+            </a:r>
+            <a:endParaRPr b="0" lang="en-US" sz="4400" spc="-1" strike="noStrike">
               <a:solidFill>
-                <a:schemeClr val="dk1"/>
+                <a:srgbClr val="000000"/>
               </a:solidFill>
-              <a:latin typeface="Calibri"/>
+              <a:latin typeface="Arial"/>
             </a:endParaRPr>
           </a:p>
         </p:txBody>
@@ -4085,8 +4076,8 @@
         </p:nvSpPr>
         <p:spPr>
           <a:xfrm>
-            <a:off x="922680" y="10536120"/>
-            <a:ext cx="9143640" cy="799920"/>
+            <a:off x="2194560" y="7702560"/>
+            <a:ext cx="39501720" cy="19092240"/>
           </a:xfrm>
           <a:prstGeom prst="rect">
             <a:avLst/>
@@ -4097,804 +4088,203 @@
           </a:ln>
         </p:spPr>
         <p:txBody>
-          <a:bodyPr lIns="91440" rIns="91440" tIns="91440" bIns="91440" anchor="ctr">
-            <a:noAutofit/>
+          <a:bodyPr lIns="0" rIns="0" tIns="0" bIns="0" anchor="t">
+            <a:normAutofit/>
           </a:bodyPr>
           <a:p>
-            <a:pPr indent="0" defTabSz="4388760">
-              <a:lnSpc>
-                <a:spcPct val="100000"/>
-              </a:lnSpc>
+            <a:pPr marL="432000" indent="-324000">
               <a:spcBef>
-                <a:spcPts val="799"/>
+                <a:spcPts val="1417"/>
               </a:spcBef>
-              <a:buNone/>
-              <a:tabLst>
-                <a:tab algn="l" pos="0"/>
-              </a:tabLst>
+              <a:buClr>
+                <a:srgbClr val="000000"/>
+              </a:buClr>
+              <a:buSzPct val="45000"/>
+              <a:buFont typeface="Wingdings" charset="2"/>
+              <a:buChar char=""/>
             </a:pPr>
             <a:r>
-              <a:rPr b="1" lang="en-US" sz="4000" spc="-1" strike="noStrike" u="sng">
-                <a:solidFill>
-                  <a:schemeClr val="accent6"/>
-                </a:solidFill>
-                <a:uFillTx/>
-                <a:latin typeface="Calibri"/>
-              </a:rPr>
-              <a:t>(click to edit) INTRODUCTION</a:t>
-            </a:r>
-            <a:endParaRPr b="0" lang="en-US" sz="4000" spc="-1" strike="noStrike">
+              <a:rPr b="0" lang="en-US" sz="3200" spc="-1" strike="noStrike">
+                <a:solidFill>
+                  <a:srgbClr val="000000"/>
+                </a:solidFill>
+                <a:latin typeface="Arial"/>
+              </a:rPr>
+              <a:t>Click to edit the outline text format</a:t>
+            </a:r>
+            <a:endParaRPr b="0" lang="en-US" sz="3200" spc="-1" strike="noStrike">
               <a:solidFill>
-                <a:schemeClr val="dk1"/>
+                <a:srgbClr val="000000"/>
               </a:solidFill>
-              <a:latin typeface="Calibri"/>
+              <a:latin typeface="Arial"/>
             </a:endParaRPr>
           </a:p>
-        </p:txBody>
-      </p:sp>
-      <p:sp>
-        <p:nvSpPr>
-          <p:cNvPr id="10" name="PlaceHolder 3"/>
-          <p:cNvSpPr>
-            <a:spLocks noGrp="1"/>
-          </p:cNvSpPr>
-          <p:nvPr>
-            <p:ph type="body"/>
-          </p:nvPr>
-        </p:nvSpPr>
-        <p:spPr>
-          <a:xfrm>
-            <a:off x="922680" y="16651800"/>
-            <a:ext cx="9143640" cy="799920"/>
-          </a:xfrm>
-          <a:prstGeom prst="rect">
-            <a:avLst/>
-          </a:prstGeom>
-          <a:noFill/>
-          <a:ln w="0">
-            <a:noFill/>
-          </a:ln>
-        </p:spPr>
-        <p:txBody>
-          <a:bodyPr lIns="91440" rIns="91440" tIns="91440" bIns="91440" anchor="ctr">
-            <a:noAutofit/>
-          </a:bodyPr>
           <a:p>
-            <a:pPr indent="0" defTabSz="4388760">
-              <a:lnSpc>
-                <a:spcPct val="100000"/>
-              </a:lnSpc>
+            <a:pPr lvl="1" marL="864000" indent="-324000">
               <a:spcBef>
-                <a:spcPts val="799"/>
+                <a:spcPts val="1134"/>
               </a:spcBef>
-              <a:buNone/>
-              <a:tabLst>
-                <a:tab algn="l" pos="0"/>
-              </a:tabLst>
+              <a:buClr>
+                <a:srgbClr val="000000"/>
+              </a:buClr>
+              <a:buSzPct val="75000"/>
+              <a:buFont typeface="Symbol" charset="2"/>
+              <a:buChar char=""/>
             </a:pPr>
             <a:r>
-              <a:rPr b="1" lang="en-US" sz="4000" spc="-1" strike="noStrike" u="sng">
-                <a:solidFill>
-                  <a:schemeClr val="accent6"/>
-                </a:solidFill>
-                <a:uFillTx/>
-                <a:latin typeface="Calibri"/>
-              </a:rPr>
-              <a:t>(click to edit) OBJECTIVES</a:t>
-            </a:r>
-            <a:endParaRPr b="0" lang="en-US" sz="4000" spc="-1" strike="noStrike">
+              <a:rPr b="0" lang="en-US" sz="2800" spc="-1" strike="noStrike">
+                <a:solidFill>
+                  <a:srgbClr val="000000"/>
+                </a:solidFill>
+                <a:latin typeface="Arial"/>
+              </a:rPr>
+              <a:t>Second Outline Level</a:t>
+            </a:r>
+            <a:endParaRPr b="0" lang="en-US" sz="2800" spc="-1" strike="noStrike">
               <a:solidFill>
-                <a:schemeClr val="dk1"/>
+                <a:srgbClr val="000000"/>
               </a:solidFill>
-              <a:latin typeface="Calibri"/>
+              <a:latin typeface="Arial"/>
             </a:endParaRPr>
           </a:p>
-        </p:txBody>
-      </p:sp>
-      <p:sp>
-        <p:nvSpPr>
-          <p:cNvPr id="11" name="PlaceHolder 4"/>
-          <p:cNvSpPr>
-            <a:spLocks noGrp="1"/>
-          </p:cNvSpPr>
-          <p:nvPr>
-            <p:ph type="body"/>
-          </p:nvPr>
-        </p:nvSpPr>
-        <p:spPr>
-          <a:xfrm>
-            <a:off x="922680" y="23497200"/>
-            <a:ext cx="9143640" cy="799920"/>
-          </a:xfrm>
-          <a:prstGeom prst="rect">
-            <a:avLst/>
-          </a:prstGeom>
-          <a:noFill/>
-          <a:ln w="0">
-            <a:noFill/>
-          </a:ln>
-        </p:spPr>
-        <p:txBody>
-          <a:bodyPr lIns="91440" rIns="91440" tIns="91440" bIns="91440" anchor="ctr">
-            <a:noAutofit/>
-          </a:bodyPr>
           <a:p>
-            <a:pPr indent="0" defTabSz="4388760">
-              <a:lnSpc>
-                <a:spcPct val="100000"/>
-              </a:lnSpc>
+            <a:pPr lvl="2" marL="1296000" indent="-288000">
               <a:spcBef>
-                <a:spcPts val="799"/>
+                <a:spcPts val="850"/>
               </a:spcBef>
-              <a:buNone/>
-              <a:tabLst>
-                <a:tab algn="l" pos="0"/>
-              </a:tabLst>
+              <a:buClr>
+                <a:srgbClr val="000000"/>
+              </a:buClr>
+              <a:buSzPct val="45000"/>
+              <a:buFont typeface="Wingdings" charset="2"/>
+              <a:buChar char=""/>
             </a:pPr>
             <a:r>
-              <a:rPr b="1" lang="en-US" sz="4000" spc="-1" strike="noStrike" u="sng">
-                <a:solidFill>
-                  <a:schemeClr val="accent6"/>
-                </a:solidFill>
-                <a:uFillTx/>
-                <a:latin typeface="Calibri"/>
-              </a:rPr>
-              <a:t>(click to edit) METHODS</a:t>
-            </a:r>
-            <a:endParaRPr b="0" lang="en-US" sz="4000" spc="-1" strike="noStrike">
+              <a:rPr b="0" lang="en-US" sz="2400" spc="-1" strike="noStrike">
+                <a:solidFill>
+                  <a:srgbClr val="000000"/>
+                </a:solidFill>
+                <a:latin typeface="Arial"/>
+              </a:rPr>
+              <a:t>Third Outline Level</a:t>
+            </a:r>
+            <a:endParaRPr b="0" lang="en-US" sz="2400" spc="-1" strike="noStrike">
               <a:solidFill>
-                <a:schemeClr val="dk1"/>
+                <a:srgbClr val="000000"/>
               </a:solidFill>
-              <a:latin typeface="Calibri"/>
+              <a:latin typeface="Arial"/>
             </a:endParaRPr>
           </a:p>
-        </p:txBody>
-      </p:sp>
-      <p:sp>
-        <p:nvSpPr>
-          <p:cNvPr id="12" name="PlaceHolder 5"/>
-          <p:cNvSpPr>
-            <a:spLocks noGrp="1"/>
-          </p:cNvSpPr>
-          <p:nvPr>
-            <p:ph type="body"/>
-          </p:nvPr>
-        </p:nvSpPr>
-        <p:spPr>
-          <a:xfrm>
-            <a:off x="922680" y="24370200"/>
-            <a:ext cx="9143640" cy="953640"/>
-          </a:xfrm>
-          <a:prstGeom prst="rect">
-            <a:avLst/>
-          </a:prstGeom>
-          <a:noFill/>
-          <a:ln w="0">
-            <a:noFill/>
-          </a:ln>
-        </p:spPr>
-        <p:txBody>
-          <a:bodyPr lIns="228600" rIns="228600" tIns="228600" bIns="228600" anchor="t">
-            <a:noAutofit/>
-          </a:bodyPr>
           <a:p>
-            <a:pPr indent="0" defTabSz="4388760">
-              <a:lnSpc>
-                <a:spcPct val="100000"/>
-              </a:lnSpc>
+            <a:pPr lvl="3" marL="1728000" indent="-216000">
               <a:spcBef>
-                <a:spcPts val="641"/>
+                <a:spcPts val="567"/>
               </a:spcBef>
-              <a:buNone/>
-              <a:tabLst>
-                <a:tab algn="l" pos="0"/>
-              </a:tabLst>
+              <a:buClr>
+                <a:srgbClr val="000000"/>
+              </a:buClr>
+              <a:buSzPct val="75000"/>
+              <a:buFont typeface="Symbol" charset="2"/>
+              <a:buChar char=""/>
             </a:pPr>
             <a:r>
-              <a:rPr b="0" lang="en-US" sz="3200" spc="-1" strike="noStrike">
-                <a:solidFill>
-                  <a:schemeClr val="dk2"/>
-                </a:solidFill>
-                <a:latin typeface="Calibri"/>
-              </a:rPr>
-              <a:t>Type in or paste your text here</a:t>
-            </a:r>
-            <a:endParaRPr b="0" lang="en-US" sz="3200" spc="-1" strike="noStrike">
+              <a:rPr b="0" lang="en-US" sz="2000" spc="-1" strike="noStrike">
+                <a:solidFill>
+                  <a:srgbClr val="000000"/>
+                </a:solidFill>
+                <a:latin typeface="Arial"/>
+              </a:rPr>
+              <a:t>Fourth Outline Level</a:t>
+            </a:r>
+            <a:endParaRPr b="0" lang="en-US" sz="2000" spc="-1" strike="noStrike">
               <a:solidFill>
-                <a:schemeClr val="dk1"/>
+                <a:srgbClr val="000000"/>
               </a:solidFill>
-              <a:latin typeface="Calibri"/>
+              <a:latin typeface="Arial"/>
             </a:endParaRPr>
           </a:p>
-        </p:txBody>
-      </p:sp>
-      <p:sp>
-        <p:nvSpPr>
-          <p:cNvPr id="13" name="PlaceHolder 6"/>
-          <p:cNvSpPr>
-            <a:spLocks noGrp="1"/>
-          </p:cNvSpPr>
-          <p:nvPr>
-            <p:ph type="body"/>
-          </p:nvPr>
-        </p:nvSpPr>
-        <p:spPr>
-          <a:xfrm>
-            <a:off x="33832800" y="11817000"/>
-            <a:ext cx="9143640" cy="19275480"/>
-          </a:xfrm>
-          <a:prstGeom prst="rect">
-            <a:avLst/>
-          </a:prstGeom>
-          <a:noFill/>
-          <a:ln w="0">
-            <a:noFill/>
-          </a:ln>
-        </p:spPr>
-        <p:txBody>
-          <a:bodyPr lIns="91440" rIns="91440" tIns="91440" bIns="91440" anchor="ctr">
-            <a:noAutofit/>
-          </a:bodyPr>
           <a:p>
-            <a:pPr indent="0" defTabSz="4388760">
-              <a:lnSpc>
-                <a:spcPct val="100000"/>
-              </a:lnSpc>
+            <a:pPr lvl="4" marL="2160000" indent="-216000">
               <a:spcBef>
-                <a:spcPts val="799"/>
+                <a:spcPts val="283"/>
               </a:spcBef>
-              <a:buNone/>
-              <a:tabLst>
-                <a:tab algn="l" pos="0"/>
-              </a:tabLst>
+              <a:buClr>
+                <a:srgbClr val="000000"/>
+              </a:buClr>
+              <a:buSzPct val="45000"/>
+              <a:buFont typeface="Wingdings" charset="2"/>
+              <a:buChar char=""/>
             </a:pPr>
             <a:r>
-              <a:rPr b="1" lang="en-US" sz="4000" spc="-1" strike="noStrike" u="sng">
-                <a:solidFill>
-                  <a:schemeClr val="accent6"/>
-                </a:solidFill>
-                <a:uFillTx/>
-                <a:latin typeface="Calibri"/>
-              </a:rPr>
-              <a:t>(click to edit) DISCUSSION</a:t>
-            </a:r>
-            <a:endParaRPr b="0" lang="en-US" sz="4000" spc="-1" strike="noStrike">
+              <a:rPr b="0" lang="en-US" sz="2000" spc="-1" strike="noStrike">
+                <a:solidFill>
+                  <a:srgbClr val="000000"/>
+                </a:solidFill>
+                <a:latin typeface="Arial"/>
+              </a:rPr>
+              <a:t>Fifth Outline Level</a:t>
+            </a:r>
+            <a:endParaRPr b="0" lang="en-US" sz="2000" spc="-1" strike="noStrike">
               <a:solidFill>
-                <a:schemeClr val="dk1"/>
+                <a:srgbClr val="000000"/>
               </a:solidFill>
-              <a:latin typeface="Calibri"/>
+              <a:latin typeface="Arial"/>
             </a:endParaRPr>
           </a:p>
-        </p:txBody>
-      </p:sp>
-      <p:sp>
-        <p:nvSpPr>
-          <p:cNvPr id="14" name="PlaceHolder 7"/>
-          <p:cNvSpPr>
-            <a:spLocks noGrp="1"/>
-          </p:cNvSpPr>
-          <p:nvPr>
-            <p:ph type="body"/>
-          </p:nvPr>
-        </p:nvSpPr>
-        <p:spPr>
-          <a:xfrm>
-            <a:off x="33832800" y="21943080"/>
-            <a:ext cx="9143640" cy="19549800"/>
-          </a:xfrm>
-          <a:prstGeom prst="rect">
-            <a:avLst/>
-          </a:prstGeom>
-          <a:noFill/>
-          <a:ln w="0">
-            <a:noFill/>
-          </a:ln>
-        </p:spPr>
-        <p:txBody>
-          <a:bodyPr lIns="228600" rIns="228600" tIns="228600" bIns="228600" anchor="t">
-            <a:noAutofit/>
-          </a:bodyPr>
           <a:p>
-            <a:pPr indent="0" defTabSz="4388760">
-              <a:lnSpc>
-                <a:spcPct val="100000"/>
-              </a:lnSpc>
+            <a:pPr lvl="5" marL="2592000" indent="-216000">
               <a:spcBef>
-                <a:spcPts val="641"/>
+                <a:spcPts val="283"/>
               </a:spcBef>
-              <a:buNone/>
-              <a:tabLst>
-                <a:tab algn="l" pos="0"/>
-              </a:tabLst>
+              <a:buClr>
+                <a:srgbClr val="000000"/>
+              </a:buClr>
+              <a:buSzPct val="45000"/>
+              <a:buFont typeface="Wingdings" charset="2"/>
+              <a:buChar char=""/>
             </a:pPr>
             <a:r>
-              <a:rPr b="0" lang="en-US" sz="3200" spc="-1" strike="noStrike">
-                <a:solidFill>
-                  <a:schemeClr val="dk2"/>
-                </a:solidFill>
-                <a:latin typeface="Calibri"/>
-              </a:rPr>
-              <a:t>Type in or paste your text here</a:t>
-            </a:r>
-            <a:endParaRPr b="0" lang="en-US" sz="3200" spc="-1" strike="noStrike">
+              <a:rPr b="0" lang="en-US" sz="2000" spc="-1" strike="noStrike">
+                <a:solidFill>
+                  <a:srgbClr val="000000"/>
+                </a:solidFill>
+                <a:latin typeface="Arial"/>
+              </a:rPr>
+              <a:t>Sixth Outline Level</a:t>
+            </a:r>
+            <a:endParaRPr b="0" lang="en-US" sz="2000" spc="-1" strike="noStrike">
               <a:solidFill>
-                <a:schemeClr val="dk1"/>
+                <a:srgbClr val="000000"/>
               </a:solidFill>
-              <a:latin typeface="Calibri"/>
+              <a:latin typeface="Arial"/>
             </a:endParaRPr>
           </a:p>
-        </p:txBody>
-      </p:sp>
-      <p:sp>
-        <p:nvSpPr>
-          <p:cNvPr id="15" name="PlaceHolder 8"/>
-          <p:cNvSpPr>
-            <a:spLocks noGrp="1"/>
-          </p:cNvSpPr>
-          <p:nvPr>
-            <p:ph type="body"/>
-          </p:nvPr>
-        </p:nvSpPr>
-        <p:spPr>
-          <a:xfrm>
-            <a:off x="922680" y="17487360"/>
-            <a:ext cx="9143640" cy="953640"/>
-          </a:xfrm>
-          <a:prstGeom prst="rect">
-            <a:avLst/>
-          </a:prstGeom>
-          <a:noFill/>
-          <a:ln w="0">
-            <a:noFill/>
-          </a:ln>
-        </p:spPr>
-        <p:txBody>
-          <a:bodyPr lIns="228600" rIns="228600" tIns="228600" bIns="228600" anchor="t">
-            <a:noAutofit/>
-          </a:bodyPr>
           <a:p>
-            <a:pPr indent="0" defTabSz="4388760">
-              <a:lnSpc>
-                <a:spcPct val="100000"/>
-              </a:lnSpc>
+            <a:pPr lvl="6" marL="3024000" indent="-216000">
               <a:spcBef>
-                <a:spcPts val="641"/>
+                <a:spcPts val="283"/>
               </a:spcBef>
-              <a:buNone/>
-              <a:tabLst>
-                <a:tab algn="l" pos="0"/>
-              </a:tabLst>
+              <a:buClr>
+                <a:srgbClr val="000000"/>
+              </a:buClr>
+              <a:buSzPct val="45000"/>
+              <a:buFont typeface="Wingdings" charset="2"/>
+              <a:buChar char=""/>
             </a:pPr>
             <a:r>
-              <a:rPr b="0" lang="en-US" sz="3200" spc="-1" strike="noStrike">
-                <a:solidFill>
-                  <a:schemeClr val="dk2"/>
-                </a:solidFill>
-                <a:latin typeface="Calibri"/>
-              </a:rPr>
-              <a:t>Type in or paste your text here</a:t>
-            </a:r>
-            <a:endParaRPr b="0" lang="en-US" sz="3200" spc="-1" strike="noStrike">
+              <a:rPr b="0" lang="en-US" sz="2000" spc="-1" strike="noStrike">
+                <a:solidFill>
+                  <a:srgbClr val="000000"/>
+                </a:solidFill>
+                <a:latin typeface="Arial"/>
+              </a:rPr>
+              <a:t>Seventh Outline Level</a:t>
+            </a:r>
+            <a:endParaRPr b="0" lang="en-US" sz="2000" spc="-1" strike="noStrike">
               <a:solidFill>
-                <a:schemeClr val="dk1"/>
+                <a:srgbClr val="000000"/>
               </a:solidFill>
-              <a:latin typeface="Calibri"/>
-            </a:endParaRPr>
-          </a:p>
-        </p:txBody>
-      </p:sp>
-      <p:sp>
-        <p:nvSpPr>
-          <p:cNvPr id="16" name="PlaceHolder 9"/>
-          <p:cNvSpPr>
-            <a:spLocks noGrp="1"/>
-          </p:cNvSpPr>
-          <p:nvPr>
-            <p:ph type="body"/>
-          </p:nvPr>
-        </p:nvSpPr>
-        <p:spPr>
-          <a:xfrm>
-            <a:off x="12801600" y="3623040"/>
-            <a:ext cx="17414640" cy="19182600"/>
-          </a:xfrm>
-          <a:prstGeom prst="rect">
-            <a:avLst/>
-          </a:prstGeom>
-          <a:noFill/>
-          <a:ln w="0">
-            <a:noFill/>
-          </a:ln>
-        </p:spPr>
-        <p:txBody>
-          <a:bodyPr lIns="90000" rIns="90000" tIns="45000" bIns="45000" anchor="t">
-            <a:noAutofit/>
-          </a:bodyPr>
-          <a:p>
-            <a:pPr indent="0" defTabSz="4388760">
-              <a:lnSpc>
-                <a:spcPct val="100000"/>
-              </a:lnSpc>
-              <a:spcBef>
-                <a:spcPts val="3319"/>
-              </a:spcBef>
-              <a:buNone/>
-              <a:tabLst>
-                <a:tab algn="l" pos="0"/>
-              </a:tabLst>
-            </a:pPr>
-            <a:r>
-              <a:rPr b="1" lang="en-US" sz="16600" spc="-1" strike="noStrike">
-                <a:solidFill>
-                  <a:schemeClr val="lt1"/>
-                </a:solidFill>
-                <a:latin typeface="Calibri"/>
-              </a:rPr>
-              <a:t>Click here to add main finding and bold the important words. </a:t>
-            </a:r>
-            <a:endParaRPr b="0" lang="en-US" sz="16600" spc="-1" strike="noStrike">
-              <a:solidFill>
-                <a:schemeClr val="dk1"/>
-              </a:solidFill>
-              <a:latin typeface="Calibri"/>
-            </a:endParaRPr>
-          </a:p>
-        </p:txBody>
-      </p:sp>
-      <p:sp>
-        <p:nvSpPr>
-          <p:cNvPr id="17" name="PlaceHolder 10"/>
-          <p:cNvSpPr>
-            <a:spLocks noGrp="1"/>
-          </p:cNvSpPr>
-          <p:nvPr>
-            <p:ph type="body"/>
-          </p:nvPr>
-        </p:nvSpPr>
-        <p:spPr>
-          <a:xfrm>
-            <a:off x="21945600" y="22596840"/>
-            <a:ext cx="8229240" cy="8229240"/>
-          </a:xfrm>
-          <a:prstGeom prst="rect">
-            <a:avLst/>
-          </a:prstGeom>
-          <a:noFill/>
-          <a:ln w="0">
-            <a:noFill/>
-          </a:ln>
-        </p:spPr>
-        <p:txBody>
-          <a:bodyPr lIns="90000" rIns="90000" tIns="45000" bIns="45000" anchor="ctr">
-            <a:noAutofit/>
-          </a:bodyPr>
-          <a:p>
-            <a:pPr indent="0" algn="ctr" defTabSz="4388760">
-              <a:lnSpc>
-                <a:spcPct val="100000"/>
-              </a:lnSpc>
-              <a:buNone/>
-              <a:tabLst>
-                <a:tab algn="l" pos="0"/>
-              </a:tabLst>
-            </a:pPr>
-            <a:r>
-              <a:rPr b="0" lang="en-US" sz="8800" spc="-1" strike="noStrike">
-                <a:solidFill>
-                  <a:schemeClr val="accent4"/>
-                </a:solidFill>
-                <a:latin typeface="Calibri"/>
-              </a:rPr>
-              <a:t>CLICK TO ADD</a:t>
-            </a:r>
-            <a:br>
-              <a:rPr sz="8800"/>
-            </a:br>
-            <a:r>
-              <a:rPr b="0" lang="en-US" sz="8800" spc="-1" strike="noStrike">
-                <a:solidFill>
-                  <a:schemeClr val="accent4"/>
-                </a:solidFill>
-                <a:latin typeface="Calibri"/>
-              </a:rPr>
-              <a:t>QR CODE</a:t>
-            </a:r>
-            <a:endParaRPr b="0" lang="en-US" sz="8800" spc="-1" strike="noStrike">
-              <a:solidFill>
-                <a:schemeClr val="dk1"/>
-              </a:solidFill>
-              <a:latin typeface="Calibri"/>
-            </a:endParaRPr>
-          </a:p>
-        </p:txBody>
-      </p:sp>
-      <p:sp>
-        <p:nvSpPr>
-          <p:cNvPr id="18" name="PlaceHolder 11"/>
-          <p:cNvSpPr>
-            <a:spLocks noGrp="1"/>
-          </p:cNvSpPr>
-          <p:nvPr>
-            <p:ph type="body"/>
-          </p:nvPr>
-        </p:nvSpPr>
-        <p:spPr>
-          <a:xfrm>
-            <a:off x="922680" y="4813920"/>
-            <a:ext cx="9143640" cy="1415520"/>
-          </a:xfrm>
-          <a:prstGeom prst="rect">
-            <a:avLst/>
-          </a:prstGeom>
-          <a:noFill/>
-          <a:ln w="0">
-            <a:noFill/>
-          </a:ln>
-        </p:spPr>
-        <p:txBody>
-          <a:bodyPr lIns="90000" rIns="90000" tIns="45000" bIns="45000" anchor="t">
-            <a:noAutofit/>
-          </a:bodyPr>
-          <a:p>
-            <a:pPr indent="0" defTabSz="4388760">
-              <a:lnSpc>
-                <a:spcPct val="100000"/>
-              </a:lnSpc>
-              <a:spcBef>
-                <a:spcPts val="879"/>
-              </a:spcBef>
-              <a:buNone/>
-              <a:tabLst>
-                <a:tab algn="l" pos="0"/>
-              </a:tabLst>
-            </a:pPr>
-            <a:r>
-              <a:rPr b="1" lang="en-US" sz="4400" spc="-1" strike="noStrike">
-                <a:solidFill>
-                  <a:schemeClr val="dk2"/>
-                </a:solidFill>
-                <a:latin typeface="Calibri"/>
-              </a:rPr>
-              <a:t>Click here to add Authors</a:t>
-            </a:r>
-            <a:endParaRPr b="0" lang="en-US" sz="4400" spc="-1" strike="noStrike">
-              <a:solidFill>
-                <a:schemeClr val="dk1"/>
-              </a:solidFill>
-              <a:latin typeface="Calibri"/>
-            </a:endParaRPr>
-          </a:p>
-        </p:txBody>
-      </p:sp>
-      <p:sp>
-        <p:nvSpPr>
-          <p:cNvPr id="19" name="PlaceHolder 12"/>
-          <p:cNvSpPr>
-            <a:spLocks noGrp="1"/>
-          </p:cNvSpPr>
-          <p:nvPr>
-            <p:ph type="body"/>
-          </p:nvPr>
-        </p:nvSpPr>
-        <p:spPr>
-          <a:xfrm>
-            <a:off x="922680" y="6294960"/>
-            <a:ext cx="9143640" cy="1415520"/>
-          </a:xfrm>
-          <a:prstGeom prst="rect">
-            <a:avLst/>
-          </a:prstGeom>
-          <a:noFill/>
-          <a:ln w="0">
-            <a:noFill/>
-          </a:ln>
-        </p:spPr>
-        <p:txBody>
-          <a:bodyPr lIns="90000" rIns="90000" tIns="45000" bIns="45000" anchor="t">
-            <a:noAutofit/>
-          </a:bodyPr>
-          <a:p>
-            <a:pPr indent="0" defTabSz="4388760">
-              <a:lnSpc>
-                <a:spcPct val="100000"/>
-              </a:lnSpc>
-              <a:spcBef>
-                <a:spcPts val="720"/>
-              </a:spcBef>
-              <a:buNone/>
-              <a:tabLst>
-                <a:tab algn="l" pos="0"/>
-              </a:tabLst>
-            </a:pPr>
-            <a:r>
-              <a:rPr b="1" lang="en-US" sz="3600" spc="-1" strike="noStrike">
-                <a:solidFill>
-                  <a:schemeClr val="dk2"/>
-                </a:solidFill>
-                <a:latin typeface="Calibri"/>
-              </a:rPr>
-              <a:t>Click here to add Affiliations</a:t>
-            </a:r>
-            <a:endParaRPr b="0" lang="en-US" sz="3600" spc="-1" strike="noStrike">
-              <a:solidFill>
-                <a:schemeClr val="dk1"/>
-              </a:solidFill>
-              <a:latin typeface="Calibri"/>
-            </a:endParaRPr>
-          </a:p>
-        </p:txBody>
-      </p:sp>
-      <p:sp>
-        <p:nvSpPr>
-          <p:cNvPr id="20" name="PlaceHolder 13"/>
-          <p:cNvSpPr>
-            <a:spLocks noGrp="1"/>
-          </p:cNvSpPr>
-          <p:nvPr>
-            <p:ph type="body"/>
-          </p:nvPr>
-        </p:nvSpPr>
-        <p:spPr>
-          <a:xfrm>
-            <a:off x="33874200" y="-7256880"/>
-            <a:ext cx="9143640" cy="19275480"/>
-          </a:xfrm>
-          <a:prstGeom prst="rect">
-            <a:avLst/>
-          </a:prstGeom>
-          <a:noFill/>
-          <a:ln w="0">
-            <a:noFill/>
-          </a:ln>
-        </p:spPr>
-        <p:txBody>
-          <a:bodyPr lIns="91440" rIns="91440" tIns="91440" bIns="91440" anchor="ctr">
-            <a:noAutofit/>
-          </a:bodyPr>
-          <a:p>
-            <a:pPr indent="0" defTabSz="4388760">
-              <a:lnSpc>
-                <a:spcPct val="100000"/>
-              </a:lnSpc>
-              <a:spcBef>
-                <a:spcPts val="799"/>
-              </a:spcBef>
-              <a:buNone/>
-              <a:tabLst>
-                <a:tab algn="l" pos="0"/>
-              </a:tabLst>
-            </a:pPr>
-            <a:r>
-              <a:rPr b="1" lang="en-US" sz="4000" spc="-1" strike="noStrike" u="sng">
-                <a:solidFill>
-                  <a:schemeClr val="accent6"/>
-                </a:solidFill>
-                <a:uFillTx/>
-                <a:latin typeface="Calibri"/>
-              </a:rPr>
-              <a:t>(click to edit) RESULTS</a:t>
-            </a:r>
-            <a:endParaRPr b="0" lang="en-US" sz="4000" spc="-1" strike="noStrike">
-              <a:solidFill>
-                <a:schemeClr val="dk1"/>
-              </a:solidFill>
-              <a:latin typeface="Calibri"/>
-            </a:endParaRPr>
-          </a:p>
-        </p:txBody>
-      </p:sp>
-      <p:sp>
-        <p:nvSpPr>
-          <p:cNvPr id="21" name="PlaceHolder 14"/>
-          <p:cNvSpPr>
-            <a:spLocks noGrp="1"/>
-          </p:cNvSpPr>
-          <p:nvPr>
-            <p:ph type="body"/>
-          </p:nvPr>
-        </p:nvSpPr>
-        <p:spPr>
-          <a:xfrm>
-            <a:off x="33874200" y="2881800"/>
-            <a:ext cx="9143640" cy="953640"/>
-          </a:xfrm>
-          <a:prstGeom prst="rect">
-            <a:avLst/>
-          </a:prstGeom>
-          <a:noFill/>
-          <a:ln w="0">
-            <a:noFill/>
-          </a:ln>
-        </p:spPr>
-        <p:txBody>
-          <a:bodyPr lIns="228600" rIns="228600" tIns="228600" bIns="228600" anchor="t">
-            <a:noAutofit/>
-          </a:bodyPr>
-          <a:p>
-            <a:pPr indent="0" defTabSz="4388760">
-              <a:lnSpc>
-                <a:spcPct val="100000"/>
-              </a:lnSpc>
-              <a:spcBef>
-                <a:spcPts val="641"/>
-              </a:spcBef>
-              <a:buNone/>
-              <a:tabLst>
-                <a:tab algn="l" pos="0"/>
-              </a:tabLst>
-            </a:pPr>
-            <a:r>
-              <a:rPr b="0" lang="en-US" sz="3200" spc="-1" strike="noStrike">
-                <a:solidFill>
-                  <a:schemeClr val="dk2"/>
-                </a:solidFill>
-                <a:latin typeface="Calibri"/>
-              </a:rPr>
-              <a:t>Add Tables and Figures in this section.</a:t>
-            </a:r>
-            <a:endParaRPr b="0" lang="en-US" sz="3200" spc="-1" strike="noStrike">
-              <a:solidFill>
-                <a:schemeClr val="dk1"/>
-              </a:solidFill>
-              <a:latin typeface="Calibri"/>
-            </a:endParaRPr>
-          </a:p>
-        </p:txBody>
-      </p:sp>
-      <p:sp>
-        <p:nvSpPr>
-          <p:cNvPr id="22" name="PlaceHolder 15"/>
-          <p:cNvSpPr>
-            <a:spLocks noGrp="1"/>
-          </p:cNvSpPr>
-          <p:nvPr>
-            <p:ph type="body"/>
-          </p:nvPr>
-        </p:nvSpPr>
-        <p:spPr>
-          <a:xfrm>
-            <a:off x="922680" y="1926000"/>
-            <a:ext cx="9143640" cy="2786760"/>
-          </a:xfrm>
-          <a:prstGeom prst="rect">
-            <a:avLst/>
-          </a:prstGeom>
-          <a:noFill/>
-          <a:ln w="0">
-            <a:noFill/>
-          </a:ln>
-        </p:spPr>
-        <p:txBody>
-          <a:bodyPr lIns="90000" rIns="90000" tIns="45000" bIns="45000" anchor="t">
-            <a:noAutofit/>
-          </a:bodyPr>
-          <a:p>
-            <a:pPr indent="0" defTabSz="4388760">
-              <a:lnSpc>
-                <a:spcPct val="100000"/>
-              </a:lnSpc>
-              <a:spcBef>
-                <a:spcPts val="1321"/>
-              </a:spcBef>
-              <a:buNone/>
-              <a:tabLst>
-                <a:tab algn="l" pos="0"/>
-              </a:tabLst>
-            </a:pPr>
-            <a:r>
-              <a:rPr b="1" lang="en-US" sz="6600" spc="-1" strike="noStrike">
-                <a:solidFill>
-                  <a:schemeClr val="dk2"/>
-                </a:solidFill>
-                <a:latin typeface="Calibri"/>
-              </a:rPr>
-              <a:t>Click here to add Poster Title</a:t>
-            </a:r>
-            <a:endParaRPr b="0" lang="en-US" sz="6600" spc="-1" strike="noStrike">
-              <a:solidFill>
-                <a:schemeClr val="dk1"/>
-              </a:solidFill>
-              <a:latin typeface="Calibri"/>
+              <a:latin typeface="Arial"/>
             </a:endParaRPr>
           </a:p>
         </p:txBody>
@@ -4934,14 +4324,14 @@
       </p:grpSpPr>
       <p:sp>
         <p:nvSpPr>
-          <p:cNvPr id="23" name="Rectangle 41"/>
+          <p:cNvPr id="10" name="Rectangle 41"/>
           <p:cNvSpPr/>
           <p:nvPr/>
         </p:nvSpPr>
         <p:spPr>
           <a:xfrm>
             <a:off x="0" y="-4320"/>
-            <a:ext cx="43890840" cy="32973120"/>
+            <a:ext cx="43890480" cy="32972760"/>
           </a:xfrm>
           <a:prstGeom prst="rect">
             <a:avLst/>
@@ -4990,14 +4380,14 @@
       </p:sp>
       <p:sp>
         <p:nvSpPr>
-          <p:cNvPr id="24" name="Text Box 14"/>
+          <p:cNvPr id="11" name="Text Box 14"/>
           <p:cNvSpPr/>
           <p:nvPr/>
         </p:nvSpPr>
         <p:spPr>
           <a:xfrm>
             <a:off x="1567440" y="32391000"/>
-            <a:ext cx="2514240" cy="319320"/>
+            <a:ext cx="2513880" cy="317880"/>
           </a:xfrm>
           <a:prstGeom prst="rect">
             <a:avLst/>
@@ -5014,7 +4404,7 @@
           <a:fontRef idx="minor"/>
         </p:style>
         <p:txBody>
-          <a:bodyPr anchor="t">
+          <a:bodyPr lIns="90000" rIns="90000" tIns="45000" bIns="45000" anchor="t">
             <a:spAutoFit/>
           </a:bodyPr>
           <a:p>
@@ -5075,14 +4465,14 @@
       </p:sp>
       <p:sp>
         <p:nvSpPr>
-          <p:cNvPr id="25" name="Rectangle 32"/>
+          <p:cNvPr id="12" name="Rectangle 32"/>
           <p:cNvSpPr/>
           <p:nvPr/>
         </p:nvSpPr>
         <p:spPr>
           <a:xfrm>
             <a:off x="0" y="31902480"/>
-            <a:ext cx="43890840" cy="1028160"/>
+            <a:ext cx="43890480" cy="1027800"/>
           </a:xfrm>
           <a:prstGeom prst="rect">
             <a:avLst/>
@@ -5131,14 +4521,14 @@
       </p:sp>
       <p:sp>
         <p:nvSpPr>
-          <p:cNvPr id="26" name="Rectangle 33"/>
+          <p:cNvPr id="13" name="Rectangle 33"/>
           <p:cNvSpPr/>
           <p:nvPr/>
         </p:nvSpPr>
         <p:spPr>
           <a:xfrm>
             <a:off x="0" y="-4320"/>
-            <a:ext cx="43890840" cy="1028160"/>
+            <a:ext cx="43890480" cy="1027800"/>
           </a:xfrm>
           <a:prstGeom prst="rect">
             <a:avLst/>
@@ -5187,14 +4577,14 @@
       </p:sp>
       <p:sp>
         <p:nvSpPr>
-          <p:cNvPr id="27" name="Rounded Rectangle 34"/>
+          <p:cNvPr id="14" name="Rounded Rectangle 34"/>
           <p:cNvSpPr/>
           <p:nvPr/>
         </p:nvSpPr>
         <p:spPr>
           <a:xfrm>
             <a:off x="10972800" y="-4320"/>
-            <a:ext cx="21945240" cy="32918040"/>
+            <a:ext cx="21944880" cy="32917680"/>
           </a:xfrm>
           <a:prstGeom prst="roundRect">
             <a:avLst>
@@ -5243,14 +4633,14 @@
       </p:sp>
       <p:sp>
         <p:nvSpPr>
-          <p:cNvPr id="28" name="Text Box 14"/>
+          <p:cNvPr id="15" name="Text Box 14"/>
           <p:cNvSpPr/>
           <p:nvPr/>
         </p:nvSpPr>
         <p:spPr>
           <a:xfrm>
             <a:off x="700560" y="32061960"/>
-            <a:ext cx="8291160" cy="581760"/>
+            <a:ext cx="8290800" cy="581760"/>
           </a:xfrm>
           <a:prstGeom prst="rect">
             <a:avLst/>
@@ -5326,78 +4716,53 @@
           </a:p>
         </p:txBody>
       </p:sp>
+    </p:spTree>
+  </p:cSld>
+  <p:clrMap bg1="lt1" bg2="lt2" tx1="dk1" tx2="dk2" accent1="accent1" accent2="accent2" accent3="accent3" accent4="accent4" accent5="accent5" accent6="accent6" hlink="hlink" folHlink="folHlink"/>
+  <p:sldLayoutIdLst>
+    <p:sldLayoutId id="2147483651" r:id="rId2"/>
+  </p:sldLayoutIdLst>
+</p:sldMaster>
+</file>
+
+<file path=ppt/slides/slide1.xml><?xml version="1.0" encoding="utf-8"?>
+<p:sld xmlns:a="http://schemas.openxmlformats.org/drawingml/2006/main" xmlns:p="http://schemas.openxmlformats.org/presentationml/2006/main" xmlns:r="http://schemas.openxmlformats.org/officeDocument/2006/relationships" xmlns:p14="http://schemas.microsoft.com/office/powerpoint/2010/main" xmlns:p15="http://schemas.microsoft.com/office/powerpoint/2012/main" xmlns:mc="http://schemas.openxmlformats.org/markup-compatibility/2006">
+  <p:cSld>
+    <p:bg>
+      <p:bgPr>
+        <a:solidFill>
+          <a:srgbClr val="ffffff"/>
+        </a:solidFill>
+      </p:bgPr>
+    </p:bg>
+    <p:spTree>
+      <p:nvGrpSpPr>
+        <p:cNvPr id="1" name=""/>
+        <p:cNvGrpSpPr/>
+        <p:nvPr/>
+      </p:nvGrpSpPr>
+      <p:grpSpPr>
+        <a:xfrm>
+          <a:off x="0" y="0"/>
+          <a:ext cx="0" cy="0"/>
+          <a:chOff x="0" y="0"/>
+          <a:chExt cx="0" cy="0"/>
+        </a:xfrm>
+      </p:grpSpPr>
       <p:sp>
         <p:nvSpPr>
-          <p:cNvPr id="29" name="PlaceHolder 1"/>
+          <p:cNvPr id="16" name="PlaceHolder 1"/>
           <p:cNvSpPr>
             <a:spLocks noGrp="1"/>
           </p:cNvSpPr>
           <p:nvPr>
-            <p:ph type="body"/>
+            <p:ph/>
           </p:nvPr>
         </p:nvSpPr>
         <p:spPr>
           <a:xfrm>
-            <a:off x="922680" y="11437200"/>
-            <a:ext cx="9143640" cy="953640"/>
-          </a:xfrm>
-          <a:prstGeom prst="rect">
-            <a:avLst/>
-          </a:prstGeom>
-          <a:noFill/>
-          <a:ln w="0">
-            <a:noFill/>
-          </a:ln>
-        </p:spPr>
-        <p:txBody>
-          <a:bodyPr lIns="228600" rIns="228600" tIns="228600" bIns="228600" anchor="t">
-            <a:noAutofit/>
-          </a:bodyPr>
-          <a:p>
-            <a:pPr indent="0" defTabSz="4388760">
-              <a:lnSpc>
-                <a:spcPct val="100000"/>
-              </a:lnSpc>
-              <a:spcBef>
-                <a:spcPts val="641"/>
-              </a:spcBef>
-              <a:buNone/>
-              <a:tabLst>
-                <a:tab algn="l" pos="0"/>
-              </a:tabLst>
-            </a:pPr>
-            <a:r>
-              <a:rPr b="0" lang="en-US" sz="3200" spc="-1" strike="noStrike">
-                <a:solidFill>
-                  <a:schemeClr val="dk2"/>
-                </a:solidFill>
-                <a:latin typeface="Calibri"/>
-              </a:rPr>
-              <a:t>Type in or paste your text here</a:t>
-            </a:r>
-            <a:endParaRPr b="0" lang="en-US" sz="3200" spc="-1" strike="noStrike">
-              <a:solidFill>
-                <a:schemeClr val="dk1"/>
-              </a:solidFill>
-              <a:latin typeface="Calibri"/>
-            </a:endParaRPr>
-          </a:p>
-        </p:txBody>
-      </p:sp>
-      <p:sp>
-        <p:nvSpPr>
-          <p:cNvPr id="30" name="PlaceHolder 2"/>
-          <p:cNvSpPr>
-            <a:spLocks noGrp="1"/>
-          </p:cNvSpPr>
-          <p:nvPr>
-            <p:ph type="body"/>
-          </p:nvPr>
-        </p:nvSpPr>
-        <p:spPr>
-          <a:xfrm>
-            <a:off x="922680" y="10536120"/>
-            <a:ext cx="9143640" cy="799920"/>
+            <a:off x="686520" y="12916440"/>
+            <a:ext cx="9143280" cy="799560"/>
           </a:xfrm>
           <a:prstGeom prst="rect">
             <a:avLst/>
@@ -5425,389 +4790,61 @@
               </a:tabLst>
             </a:pPr>
             <a:r>
-              <a:rPr b="1" lang="en-US" sz="4000" spc="-1" strike="noStrike" u="sng">
+              <a:rPr b="1" lang="en-US" sz="6000" spc="-1" strike="noStrike" u="sng">
                 <a:solidFill>
                   <a:schemeClr val="accent6"/>
                 </a:solidFill>
                 <a:uFillTx/>
                 <a:latin typeface="Calibri"/>
               </a:rPr>
-              <a:t>(click to edit) INTRODUCTION</a:t>
-            </a:r>
-            <a:endParaRPr b="0" lang="en-US" sz="4000" spc="-1" strike="noStrike">
+              <a:t>Abstract</a:t>
+            </a:r>
+            <a:endParaRPr b="0" lang="en-US" sz="6000" spc="-1" strike="noStrike">
               <a:solidFill>
-                <a:schemeClr val="dk1"/>
+                <a:srgbClr val="000000"/>
               </a:solidFill>
-              <a:latin typeface="Calibri"/>
+              <a:latin typeface="Arial"/>
             </a:endParaRPr>
           </a:p>
         </p:txBody>
       </p:sp>
+      <p:pic>
+        <p:nvPicPr>
+          <p:cNvPr id="17" name="" descr=""/>
+          <p:cNvPicPr/>
+          <p:nvPr/>
+        </p:nvPicPr>
+        <p:blipFill>
+          <a:blip r:embed="rId1"/>
+          <a:stretch/>
+        </p:blipFill>
+        <p:spPr>
+          <a:xfrm>
+            <a:off x="33375600" y="2971800"/>
+            <a:ext cx="9701280" cy="8001000"/>
+          </a:xfrm>
+          <a:prstGeom prst="rect">
+            <a:avLst/>
+          </a:prstGeom>
+          <a:ln w="0">
+            <a:noFill/>
+          </a:ln>
+        </p:spPr>
+      </p:pic>
       <p:sp>
         <p:nvSpPr>
-          <p:cNvPr id="31" name="PlaceHolder 3"/>
+          <p:cNvPr id="18" name="PlaceHolder 2"/>
           <p:cNvSpPr>
             <a:spLocks noGrp="1"/>
           </p:cNvSpPr>
           <p:nvPr>
-            <p:ph type="body"/>
+            <p:ph/>
           </p:nvPr>
         </p:nvSpPr>
         <p:spPr>
           <a:xfrm>
-            <a:off x="922680" y="16651800"/>
-            <a:ext cx="9143640" cy="799920"/>
-          </a:xfrm>
-          <a:prstGeom prst="rect">
-            <a:avLst/>
-          </a:prstGeom>
-          <a:noFill/>
-          <a:ln w="0">
-            <a:noFill/>
-          </a:ln>
-        </p:spPr>
-        <p:txBody>
-          <a:bodyPr lIns="91440" rIns="91440" tIns="91440" bIns="91440" anchor="ctr">
-            <a:noAutofit/>
-          </a:bodyPr>
-          <a:p>
-            <a:pPr indent="0" defTabSz="4388760">
-              <a:lnSpc>
-                <a:spcPct val="100000"/>
-              </a:lnSpc>
-              <a:spcBef>
-                <a:spcPts val="799"/>
-              </a:spcBef>
-              <a:buNone/>
-              <a:tabLst>
-                <a:tab algn="l" pos="0"/>
-              </a:tabLst>
-            </a:pPr>
-            <a:r>
-              <a:rPr b="1" lang="en-US" sz="4000" spc="-1" strike="noStrike" u="sng">
-                <a:solidFill>
-                  <a:schemeClr val="accent6"/>
-                </a:solidFill>
-                <a:uFillTx/>
-                <a:latin typeface="Calibri"/>
-              </a:rPr>
-              <a:t>(click to edit) OBJECTIVES</a:t>
-            </a:r>
-            <a:endParaRPr b="0" lang="en-US" sz="4000" spc="-1" strike="noStrike">
-              <a:solidFill>
-                <a:schemeClr val="dk1"/>
-              </a:solidFill>
-              <a:latin typeface="Calibri"/>
-            </a:endParaRPr>
-          </a:p>
-        </p:txBody>
-      </p:sp>
-      <p:sp>
-        <p:nvSpPr>
-          <p:cNvPr id="32" name="PlaceHolder 4"/>
-          <p:cNvSpPr>
-            <a:spLocks noGrp="1"/>
-          </p:cNvSpPr>
-          <p:nvPr>
-            <p:ph type="body"/>
-          </p:nvPr>
-        </p:nvSpPr>
-        <p:spPr>
-          <a:xfrm>
-            <a:off x="922680" y="23497200"/>
-            <a:ext cx="9143640" cy="799920"/>
-          </a:xfrm>
-          <a:prstGeom prst="rect">
-            <a:avLst/>
-          </a:prstGeom>
-          <a:noFill/>
-          <a:ln w="0">
-            <a:noFill/>
-          </a:ln>
-        </p:spPr>
-        <p:txBody>
-          <a:bodyPr lIns="91440" rIns="91440" tIns="91440" bIns="91440" anchor="ctr">
-            <a:noAutofit/>
-          </a:bodyPr>
-          <a:p>
-            <a:pPr indent="0" defTabSz="4388760">
-              <a:lnSpc>
-                <a:spcPct val="100000"/>
-              </a:lnSpc>
-              <a:spcBef>
-                <a:spcPts val="799"/>
-              </a:spcBef>
-              <a:buNone/>
-              <a:tabLst>
-                <a:tab algn="l" pos="0"/>
-              </a:tabLst>
-            </a:pPr>
-            <a:r>
-              <a:rPr b="1" lang="en-US" sz="4000" spc="-1" strike="noStrike" u="sng">
-                <a:solidFill>
-                  <a:schemeClr val="accent6"/>
-                </a:solidFill>
-                <a:uFillTx/>
-                <a:latin typeface="Calibri"/>
-              </a:rPr>
-              <a:t>(click to edit) METHODS</a:t>
-            </a:r>
-            <a:endParaRPr b="0" lang="en-US" sz="4000" spc="-1" strike="noStrike">
-              <a:solidFill>
-                <a:schemeClr val="dk1"/>
-              </a:solidFill>
-              <a:latin typeface="Calibri"/>
-            </a:endParaRPr>
-          </a:p>
-        </p:txBody>
-      </p:sp>
-      <p:sp>
-        <p:nvSpPr>
-          <p:cNvPr id="33" name="PlaceHolder 5"/>
-          <p:cNvSpPr>
-            <a:spLocks noGrp="1"/>
-          </p:cNvSpPr>
-          <p:nvPr>
-            <p:ph type="body"/>
-          </p:nvPr>
-        </p:nvSpPr>
-        <p:spPr>
-          <a:xfrm>
-            <a:off x="922680" y="24370200"/>
-            <a:ext cx="9143640" cy="953640"/>
-          </a:xfrm>
-          <a:prstGeom prst="rect">
-            <a:avLst/>
-          </a:prstGeom>
-          <a:noFill/>
-          <a:ln w="0">
-            <a:noFill/>
-          </a:ln>
-        </p:spPr>
-        <p:txBody>
-          <a:bodyPr lIns="228600" rIns="228600" tIns="228600" bIns="228600" anchor="t">
-            <a:noAutofit/>
-          </a:bodyPr>
-          <a:p>
-            <a:pPr indent="0" defTabSz="4388760">
-              <a:lnSpc>
-                <a:spcPct val="100000"/>
-              </a:lnSpc>
-              <a:spcBef>
-                <a:spcPts val="641"/>
-              </a:spcBef>
-              <a:buNone/>
-              <a:tabLst>
-                <a:tab algn="l" pos="0"/>
-              </a:tabLst>
-            </a:pPr>
-            <a:r>
-              <a:rPr b="0" lang="en-US" sz="3200" spc="-1" strike="noStrike">
-                <a:solidFill>
-                  <a:schemeClr val="dk2"/>
-                </a:solidFill>
-                <a:latin typeface="Calibri"/>
-              </a:rPr>
-              <a:t>Type in or paste your text here</a:t>
-            </a:r>
-            <a:endParaRPr b="0" lang="en-US" sz="3200" spc="-1" strike="noStrike">
-              <a:solidFill>
-                <a:schemeClr val="dk1"/>
-              </a:solidFill>
-              <a:latin typeface="Calibri"/>
-            </a:endParaRPr>
-          </a:p>
-        </p:txBody>
-      </p:sp>
-      <p:sp>
-        <p:nvSpPr>
-          <p:cNvPr id="34" name="PlaceHolder 6"/>
-          <p:cNvSpPr>
-            <a:spLocks noGrp="1"/>
-          </p:cNvSpPr>
-          <p:nvPr>
-            <p:ph type="body"/>
-          </p:nvPr>
-        </p:nvSpPr>
-        <p:spPr>
-          <a:xfrm>
-            <a:off x="33832800" y="11817000"/>
-            <a:ext cx="9143640" cy="19275480"/>
-          </a:xfrm>
-          <a:prstGeom prst="rect">
-            <a:avLst/>
-          </a:prstGeom>
-          <a:noFill/>
-          <a:ln w="0">
-            <a:noFill/>
-          </a:ln>
-        </p:spPr>
-        <p:txBody>
-          <a:bodyPr lIns="91440" rIns="91440" tIns="91440" bIns="91440" anchor="ctr">
-            <a:noAutofit/>
-          </a:bodyPr>
-          <a:p>
-            <a:pPr indent="0" defTabSz="4388760">
-              <a:lnSpc>
-                <a:spcPct val="100000"/>
-              </a:lnSpc>
-              <a:spcBef>
-                <a:spcPts val="799"/>
-              </a:spcBef>
-              <a:buNone/>
-              <a:tabLst>
-                <a:tab algn="l" pos="0"/>
-              </a:tabLst>
-            </a:pPr>
-            <a:r>
-              <a:rPr b="1" lang="en-US" sz="4000" spc="-1" strike="noStrike" u="sng">
-                <a:solidFill>
-                  <a:schemeClr val="accent6"/>
-                </a:solidFill>
-                <a:uFillTx/>
-                <a:latin typeface="Calibri"/>
-              </a:rPr>
-              <a:t>(click to edit) DISCUSSION</a:t>
-            </a:r>
-            <a:endParaRPr b="0" lang="en-US" sz="4000" spc="-1" strike="noStrike">
-              <a:solidFill>
-                <a:schemeClr val="dk1"/>
-              </a:solidFill>
-              <a:latin typeface="Calibri"/>
-            </a:endParaRPr>
-          </a:p>
-        </p:txBody>
-      </p:sp>
-      <p:sp>
-        <p:nvSpPr>
-          <p:cNvPr id="35" name="PlaceHolder 7"/>
-          <p:cNvSpPr>
-            <a:spLocks noGrp="1"/>
-          </p:cNvSpPr>
-          <p:nvPr>
-            <p:ph type="body"/>
-          </p:nvPr>
-        </p:nvSpPr>
-        <p:spPr>
-          <a:xfrm>
-            <a:off x="33832800" y="21943080"/>
-            <a:ext cx="9143640" cy="19549800"/>
-          </a:xfrm>
-          <a:prstGeom prst="rect">
-            <a:avLst/>
-          </a:prstGeom>
-          <a:noFill/>
-          <a:ln w="0">
-            <a:noFill/>
-          </a:ln>
-        </p:spPr>
-        <p:txBody>
-          <a:bodyPr lIns="228600" rIns="228600" tIns="228600" bIns="228600" anchor="t">
-            <a:noAutofit/>
-          </a:bodyPr>
-          <a:p>
-            <a:pPr indent="0" defTabSz="4388760">
-              <a:lnSpc>
-                <a:spcPct val="100000"/>
-              </a:lnSpc>
-              <a:spcBef>
-                <a:spcPts val="641"/>
-              </a:spcBef>
-              <a:buNone/>
-              <a:tabLst>
-                <a:tab algn="l" pos="0"/>
-              </a:tabLst>
-            </a:pPr>
-            <a:r>
-              <a:rPr b="0" lang="en-US" sz="3200" spc="-1" strike="noStrike">
-                <a:solidFill>
-                  <a:schemeClr val="dk2"/>
-                </a:solidFill>
-                <a:latin typeface="Calibri"/>
-              </a:rPr>
-              <a:t>Type in or paste your text here</a:t>
-            </a:r>
-            <a:endParaRPr b="0" lang="en-US" sz="3200" spc="-1" strike="noStrike">
-              <a:solidFill>
-                <a:schemeClr val="dk1"/>
-              </a:solidFill>
-              <a:latin typeface="Calibri"/>
-            </a:endParaRPr>
-          </a:p>
-        </p:txBody>
-      </p:sp>
-      <p:sp>
-        <p:nvSpPr>
-          <p:cNvPr id="36" name="PlaceHolder 8"/>
-          <p:cNvSpPr>
-            <a:spLocks noGrp="1"/>
-          </p:cNvSpPr>
-          <p:nvPr>
-            <p:ph type="body"/>
-          </p:nvPr>
-        </p:nvSpPr>
-        <p:spPr>
-          <a:xfrm>
-            <a:off x="922680" y="17487360"/>
-            <a:ext cx="9143640" cy="953640"/>
-          </a:xfrm>
-          <a:prstGeom prst="rect">
-            <a:avLst/>
-          </a:prstGeom>
-          <a:noFill/>
-          <a:ln w="0">
-            <a:noFill/>
-          </a:ln>
-        </p:spPr>
-        <p:txBody>
-          <a:bodyPr lIns="228600" rIns="228600" tIns="228600" bIns="228600" anchor="t">
-            <a:noAutofit/>
-          </a:bodyPr>
-          <a:p>
-            <a:pPr indent="0" defTabSz="4388760">
-              <a:lnSpc>
-                <a:spcPct val="100000"/>
-              </a:lnSpc>
-              <a:spcBef>
-                <a:spcPts val="641"/>
-              </a:spcBef>
-              <a:buNone/>
-              <a:tabLst>
-                <a:tab algn="l" pos="0"/>
-              </a:tabLst>
-            </a:pPr>
-            <a:r>
-              <a:rPr b="0" lang="en-US" sz="3200" spc="-1" strike="noStrike">
-                <a:solidFill>
-                  <a:schemeClr val="dk2"/>
-                </a:solidFill>
-                <a:latin typeface="Calibri"/>
-              </a:rPr>
-              <a:t>Type in or paste your text here</a:t>
-            </a:r>
-            <a:endParaRPr b="0" lang="en-US" sz="3200" spc="-1" strike="noStrike">
-              <a:solidFill>
-                <a:schemeClr val="dk1"/>
-              </a:solidFill>
-              <a:latin typeface="Calibri"/>
-            </a:endParaRPr>
-          </a:p>
-        </p:txBody>
-      </p:sp>
-      <p:sp>
-        <p:nvSpPr>
-          <p:cNvPr id="37" name="PlaceHolder 9"/>
-          <p:cNvSpPr>
-            <a:spLocks noGrp="1"/>
-          </p:cNvSpPr>
-          <p:nvPr>
-            <p:ph type="body"/>
-          </p:nvPr>
-        </p:nvSpPr>
-        <p:spPr>
-          <a:xfrm>
-            <a:off x="12801600" y="3623040"/>
-            <a:ext cx="17414640" cy="19182600"/>
+            <a:off x="12989160" y="1805760"/>
+            <a:ext cx="17414280" cy="13967640"/>
           </a:xfrm>
           <a:prstGeom prst="rect">
             <a:avLst/>
@@ -5822,12 +4859,12 @@
             <a:noAutofit/>
           </a:bodyPr>
           <a:p>
-            <a:pPr indent="0" defTabSz="4388760">
+            <a:pPr marL="432000" indent="0" algn="ctr">
               <a:lnSpc>
                 <a:spcPct val="100000"/>
               </a:lnSpc>
               <a:spcBef>
-                <a:spcPts val="3319"/>
+                <a:spcPts val="1417"/>
               </a:spcBef>
               <a:buNone/>
               <a:tabLst>
@@ -5835,104 +4872,349 @@
               </a:tabLst>
             </a:pPr>
             <a:r>
-              <a:rPr b="1" lang="en-US" sz="16600" spc="-1" strike="noStrike">
-                <a:solidFill>
-                  <a:schemeClr val="lt1"/>
+              <a:rPr b="1" lang="en-US" sz="5400" spc="-1" strike="noStrike">
+                <a:solidFill>
+                  <a:schemeClr val="dk1"/>
                 </a:solidFill>
                 <a:latin typeface="Calibri"/>
               </a:rPr>
-              <a:t>Click here to add main finding and bold the important words. </a:t>
-            </a:r>
-            <a:endParaRPr b="0" lang="en-US" sz="16600" spc="-1" strike="noStrike">
+              <a:t>Keystone &amp; gem5</a:t>
+            </a:r>
+            <a:endParaRPr b="0" lang="en-US" sz="5400" spc="-1" strike="noStrike">
               <a:solidFill>
-                <a:schemeClr val="dk1"/>
+                <a:srgbClr val="000000"/>
               </a:solidFill>
-              <a:latin typeface="Calibri"/>
+              <a:latin typeface="Arial"/>
+            </a:endParaRPr>
+          </a:p>
+          <a:p>
+            <a:pPr marL="432000" indent="-324000">
+              <a:lnSpc>
+                <a:spcPct val="100000"/>
+              </a:lnSpc>
+              <a:spcBef>
+                <a:spcPts val="1417"/>
+              </a:spcBef>
+              <a:buClr>
+                <a:srgbClr val="000000"/>
+              </a:buClr>
+              <a:buSzPct val="45000"/>
+              <a:buFont typeface="Wingdings" charset="2"/>
+              <a:buChar char=""/>
+              <a:tabLst>
+                <a:tab algn="l" pos="0"/>
+              </a:tabLst>
+            </a:pPr>
+            <a:r>
+              <a:rPr b="0" lang="en-US" sz="4000" spc="-1" strike="noStrike">
+                <a:solidFill>
+                  <a:schemeClr val="dk1"/>
+                </a:solidFill>
+                <a:latin typeface="Calibri"/>
+              </a:rPr>
+              <a:t>gem5 is an open-source architectural </a:t>
+            </a:r>
+            <a:r>
+              <a:rPr b="0" lang="en-US" sz="4000" spc="-1" strike="noStrike">
+                <a:solidFill>
+                  <a:schemeClr val="dk1"/>
+                </a:solidFill>
+                <a:latin typeface="Calibri"/>
+              </a:rPr>
+              <a:t>simulator that provides full-system </a:t>
+            </a:r>
+            <a:r>
+              <a:rPr b="0" lang="en-US" sz="4000" spc="-1" strike="noStrike">
+                <a:solidFill>
+                  <a:schemeClr val="dk1"/>
+                </a:solidFill>
+                <a:latin typeface="Calibri"/>
+              </a:rPr>
+              <a:t>emulation, including the RISC-V ISA, </a:t>
+            </a:r>
+            <a:r>
+              <a:rPr b="0" lang="en-US" sz="4000" spc="-1" strike="noStrike">
+                <a:solidFill>
+                  <a:schemeClr val="dk1"/>
+                </a:solidFill>
+                <a:latin typeface="Calibri"/>
+              </a:rPr>
+              <a:t>enabling developers the ability to </a:t>
+            </a:r>
+            <a:r>
+              <a:rPr b="0" lang="en-US" sz="4000" spc="-1" strike="noStrike">
+                <a:solidFill>
+                  <a:schemeClr val="dk1"/>
+                </a:solidFill>
+                <a:latin typeface="Calibri"/>
+              </a:rPr>
+              <a:t>model performance on real workloads </a:t>
+            </a:r>
+            <a:r>
+              <a:rPr b="0" lang="en-US" sz="4000" spc="-1" strike="noStrike">
+                <a:solidFill>
+                  <a:schemeClr val="dk1"/>
+                </a:solidFill>
+                <a:latin typeface="Calibri"/>
+              </a:rPr>
+              <a:t>prior to fabrication.</a:t>
+            </a:r>
+            <a:endParaRPr b="0" lang="en-US" sz="4000" spc="-1" strike="noStrike">
+              <a:solidFill>
+                <a:srgbClr val="000000"/>
+              </a:solidFill>
+              <a:latin typeface="Arial"/>
+            </a:endParaRPr>
+          </a:p>
+          <a:p>
+            <a:pPr marL="432000" indent="-324000">
+              <a:lnSpc>
+                <a:spcPct val="100000"/>
+              </a:lnSpc>
+              <a:spcBef>
+                <a:spcPts val="1417"/>
+              </a:spcBef>
+              <a:buClr>
+                <a:srgbClr val="000000"/>
+              </a:buClr>
+              <a:buSzPct val="45000"/>
+              <a:buFont typeface="Wingdings" charset="2"/>
+              <a:buChar char=""/>
+              <a:tabLst>
+                <a:tab algn="l" pos="0"/>
+              </a:tabLst>
+            </a:pPr>
+            <a:r>
+              <a:rPr b="0" lang="en-US" sz="4000" spc="-1" strike="noStrike">
+                <a:solidFill>
+                  <a:schemeClr val="dk1"/>
+                </a:solidFill>
+                <a:latin typeface="Calibri"/>
+              </a:rPr>
+              <a:t>The Keystone enclave has been </a:t>
+            </a:r>
+            <a:r>
+              <a:rPr b="0" lang="en-US" sz="4000" spc="-1" strike="noStrike">
+                <a:solidFill>
+                  <a:schemeClr val="dk1"/>
+                </a:solidFill>
+                <a:latin typeface="Calibri"/>
+              </a:rPr>
+              <a:t>implemented in gem5, including all </a:t>
+            </a:r>
+            <a:r>
+              <a:rPr b="0" lang="en-US" sz="4000" spc="-1" strike="noStrike">
+                <a:solidFill>
+                  <a:schemeClr val="dk1"/>
+                </a:solidFill>
+                <a:latin typeface="Calibri"/>
+              </a:rPr>
+              <a:t>necessary components. This allows </a:t>
+            </a:r>
+            <a:r>
+              <a:rPr b="0" lang="en-US" sz="4000" spc="-1" strike="noStrike">
+                <a:solidFill>
+                  <a:schemeClr val="dk1"/>
+                </a:solidFill>
+                <a:latin typeface="Calibri"/>
+              </a:rPr>
+              <a:t>developers to experiment with </a:t>
+            </a:r>
+            <a:r>
+              <a:rPr b="0" lang="en-US" sz="4000" spc="-1" strike="noStrike">
+                <a:solidFill>
+                  <a:schemeClr val="dk1"/>
+                </a:solidFill>
+                <a:latin typeface="Calibri"/>
+              </a:rPr>
+              <a:t>Keystone, but there is no pre-defined </a:t>
+            </a:r>
+            <a:r>
+              <a:rPr b="0" lang="en-US" sz="4000" spc="-1" strike="noStrike">
+                <a:solidFill>
+                  <a:schemeClr val="dk1"/>
+                </a:solidFill>
+                <a:latin typeface="Calibri"/>
+              </a:rPr>
+              <a:t>method for extending these </a:t>
+            </a:r>
+            <a:r>
+              <a:rPr b="0" lang="en-US" sz="4000" spc="-1" strike="noStrike">
+                <a:solidFill>
+                  <a:schemeClr val="dk1"/>
+                </a:solidFill>
+                <a:latin typeface="Calibri"/>
+              </a:rPr>
+              <a:t>components within the gem5 </a:t>
+            </a:r>
+            <a:r>
+              <a:rPr b="0" lang="en-US" sz="4000" spc="-1" strike="noStrike">
+                <a:solidFill>
+                  <a:schemeClr val="dk1"/>
+                </a:solidFill>
+                <a:latin typeface="Calibri"/>
+              </a:rPr>
+              <a:t>simulation environment.</a:t>
+            </a:r>
+            <a:endParaRPr b="0" lang="en-US" sz="4000" spc="-1" strike="noStrike">
+              <a:solidFill>
+                <a:srgbClr val="000000"/>
+              </a:solidFill>
+              <a:latin typeface="Arial"/>
+            </a:endParaRPr>
+          </a:p>
+          <a:p>
+            <a:pPr marL="432000" indent="-324000">
+              <a:lnSpc>
+                <a:spcPct val="100000"/>
+              </a:lnSpc>
+              <a:spcBef>
+                <a:spcPts val="1417"/>
+              </a:spcBef>
+              <a:buClr>
+                <a:srgbClr val="000000"/>
+              </a:buClr>
+              <a:buSzPct val="45000"/>
+              <a:buFont typeface="Wingdings" charset="2"/>
+              <a:buChar char=""/>
+              <a:tabLst>
+                <a:tab algn="l" pos="0"/>
+              </a:tabLst>
+            </a:pPr>
+            <a:r>
+              <a:rPr b="0" lang="en-US" sz="4000" spc="-1" strike="noStrike">
+                <a:solidFill>
+                  <a:schemeClr val="dk1"/>
+                </a:solidFill>
+                <a:latin typeface="Calibri"/>
+              </a:rPr>
+              <a:t>Keystone defines a set of rules in the </a:t>
+            </a:r>
+            <a:r>
+              <a:rPr b="0" lang="en-US" sz="4000" spc="-1" strike="noStrike">
+                <a:solidFill>
+                  <a:schemeClr val="dk1"/>
+                </a:solidFill>
+                <a:latin typeface="Calibri"/>
+              </a:rPr>
+              <a:t>Bootloader by partitioning memory </a:t>
+            </a:r>
+            <a:r>
+              <a:rPr b="0" lang="en-US" sz="4000" spc="-1" strike="noStrike">
+                <a:solidFill>
+                  <a:schemeClr val="dk1"/>
+                </a:solidFill>
+                <a:latin typeface="Calibri"/>
+              </a:rPr>
+              <a:t>regions for different privileged modes. </a:t>
+            </a:r>
+            <a:r>
+              <a:rPr b="0" lang="en-US" sz="4000" spc="-1" strike="noStrike">
+                <a:solidFill>
+                  <a:schemeClr val="dk1"/>
+                </a:solidFill>
+                <a:latin typeface="Calibri"/>
+              </a:rPr>
+              <a:t>The rules are stored in the Physical </a:t>
+            </a:r>
+            <a:r>
+              <a:rPr b="0" lang="en-US" sz="4000" spc="-1" strike="noStrike">
+                <a:solidFill>
+                  <a:schemeClr val="dk1"/>
+                </a:solidFill>
+                <a:latin typeface="Calibri"/>
+              </a:rPr>
+              <a:t>Memory Protection (PMP) Tables that </a:t>
+            </a:r>
+            <a:r>
+              <a:rPr b="0" lang="en-US" sz="4000" spc="-1" strike="noStrike">
+                <a:solidFill>
+                  <a:schemeClr val="dk1"/>
+                </a:solidFill>
+                <a:latin typeface="Calibri"/>
+              </a:rPr>
+              <a:t>are checked on each memory access</a:t>
+            </a:r>
+            <a:endParaRPr b="0" lang="en-US" sz="4000" spc="-1" strike="noStrike">
+              <a:solidFill>
+                <a:srgbClr val="000000"/>
+              </a:solidFill>
+              <a:latin typeface="Arial"/>
+            </a:endParaRPr>
+          </a:p>
+          <a:p>
+            <a:pPr marL="432000" indent="-324000">
+              <a:lnSpc>
+                <a:spcPct val="100000"/>
+              </a:lnSpc>
+              <a:spcBef>
+                <a:spcPts val="1417"/>
+              </a:spcBef>
+              <a:buClr>
+                <a:srgbClr val="000000"/>
+              </a:buClr>
+              <a:buSzPct val="45000"/>
+              <a:buFont typeface="Wingdings" charset="2"/>
+              <a:buChar char=""/>
+              <a:tabLst>
+                <a:tab algn="l" pos="0"/>
+              </a:tabLst>
+            </a:pPr>
+            <a:r>
+              <a:rPr b="0" lang="en-US" sz="4000" spc="-1" strike="noStrike">
+                <a:solidFill>
+                  <a:schemeClr val="dk1"/>
+                </a:solidFill>
+                <a:latin typeface="Calibri"/>
+              </a:rPr>
+              <a:t>How to implement</a:t>
+            </a:r>
+            <a:endParaRPr b="0" lang="en-US" sz="4000" spc="-1" strike="noStrike">
+              <a:solidFill>
+                <a:srgbClr val="000000"/>
+              </a:solidFill>
+              <a:latin typeface="Arial"/>
             </a:endParaRPr>
           </a:p>
         </p:txBody>
       </p:sp>
+      <p:pic>
+        <p:nvPicPr>
+          <p:cNvPr id="19" name="Picture Placeholder 25" descr=""/>
+          <p:cNvPicPr/>
+          <p:nvPr/>
+        </p:nvPicPr>
+        <p:blipFill>
+          <a:blip r:embed="rId2"/>
+          <a:stretch/>
+        </p:blipFill>
+        <p:spPr>
+          <a:xfrm>
+            <a:off x="13487760" y="24003000"/>
+            <a:ext cx="17373240" cy="7835760"/>
+          </a:xfrm>
+          <a:prstGeom prst="rect">
+            <a:avLst/>
+          </a:prstGeom>
+          <a:ln w="0">
+            <a:noFill/>
+          </a:ln>
+        </p:spPr>
+      </p:pic>
       <p:sp>
         <p:nvSpPr>
-          <p:cNvPr id="38" name="PlaceHolder 10"/>
+          <p:cNvPr id="20" name="PlaceHolder 3"/>
           <p:cNvSpPr>
             <a:spLocks noGrp="1"/>
           </p:cNvSpPr>
           <p:nvPr>
-            <p:ph type="body"/>
+            <p:ph/>
           </p:nvPr>
         </p:nvSpPr>
         <p:spPr>
           <a:xfrm>
-            <a:off x="21945600" y="22596840"/>
-            <a:ext cx="8229240" cy="8229240"/>
-          </a:xfrm>
-          <a:prstGeom prst="rect">
-            <a:avLst/>
-          </a:prstGeom>
-          <a:noFill/>
-          <a:ln w="0">
-            <a:noFill/>
-          </a:ln>
-        </p:spPr>
-        <p:txBody>
-          <a:bodyPr lIns="90000" rIns="90000" tIns="45000" bIns="45000" anchor="ctr">
-            <a:noAutofit/>
-          </a:bodyPr>
-          <a:p>
-            <a:pPr indent="0" algn="ctr" defTabSz="4388760">
-              <a:lnSpc>
-                <a:spcPct val="100000"/>
-              </a:lnSpc>
-              <a:buNone/>
-              <a:tabLst>
-                <a:tab algn="l" pos="0"/>
-              </a:tabLst>
-            </a:pPr>
-            <a:r>
-              <a:rPr b="0" lang="en-US" sz="8800" spc="-1" strike="noStrike">
-                <a:solidFill>
-                  <a:schemeClr val="accent4"/>
-                </a:solidFill>
-                <a:latin typeface="Calibri"/>
-              </a:rPr>
-              <a:t>CLICK TO ADD</a:t>
-            </a:r>
-            <a:br>
-              <a:rPr sz="8800"/>
-            </a:br>
-            <a:r>
-              <a:rPr b="0" lang="en-US" sz="8800" spc="-1" strike="noStrike">
-                <a:solidFill>
-                  <a:schemeClr val="accent4"/>
-                </a:solidFill>
-                <a:latin typeface="Calibri"/>
-              </a:rPr>
-              <a:t>QR CODE</a:t>
-            </a:r>
-            <a:endParaRPr b="0" lang="en-US" sz="8800" spc="-1" strike="noStrike">
-              <a:solidFill>
-                <a:schemeClr val="dk1"/>
-              </a:solidFill>
-              <a:latin typeface="Calibri"/>
-            </a:endParaRPr>
-          </a:p>
-        </p:txBody>
-      </p:sp>
-      <p:sp>
-        <p:nvSpPr>
-          <p:cNvPr id="39" name="PlaceHolder 11"/>
-          <p:cNvSpPr>
-            <a:spLocks noGrp="1"/>
-          </p:cNvSpPr>
-          <p:nvPr>
-            <p:ph type="body"/>
-          </p:nvPr>
-        </p:nvSpPr>
-        <p:spPr>
-          <a:xfrm>
-            <a:off x="922680" y="4813920"/>
-            <a:ext cx="9143640" cy="1415520"/>
+            <a:off x="922680" y="5486400"/>
+            <a:ext cx="9143280" cy="2786760"/>
           </a:xfrm>
           <a:prstGeom prst="rect">
             <a:avLst/>
@@ -5960,37 +5242,95 @@
               </a:tabLst>
             </a:pPr>
             <a:r>
-              <a:rPr b="1" lang="en-US" sz="4400" spc="-1" strike="noStrike">
+              <a:rPr b="1" lang="en-US" sz="4200" spc="-1" strike="noStrike">
                 <a:solidFill>
                   <a:schemeClr val="dk2"/>
                 </a:solidFill>
                 <a:latin typeface="Calibri"/>
               </a:rPr>
-              <a:t>Click here to add Authors</a:t>
-            </a:r>
-            <a:endParaRPr b="0" lang="en-US" sz="4400" spc="-1" strike="noStrike">
+              <a:t>By: Will Buziak</a:t>
+            </a:r>
+            <a:endParaRPr b="0" lang="en-US" sz="4200" spc="-1" strike="noStrike">
               <a:solidFill>
-                <a:schemeClr val="dk1"/>
+                <a:srgbClr val="000000"/>
               </a:solidFill>
-              <a:latin typeface="Calibri"/>
+              <a:latin typeface="Arial"/>
+            </a:endParaRPr>
+          </a:p>
+          <a:p>
+            <a:pPr indent="0" defTabSz="4388760">
+              <a:lnSpc>
+                <a:spcPct val="100000"/>
+              </a:lnSpc>
+              <a:spcBef>
+                <a:spcPts val="879"/>
+              </a:spcBef>
+              <a:buNone/>
+              <a:tabLst>
+                <a:tab algn="l" pos="0"/>
+              </a:tabLst>
+            </a:pPr>
+            <a:r>
+              <a:rPr b="1" lang="en-US" sz="4200" spc="-1" strike="noStrike">
+                <a:solidFill>
+                  <a:schemeClr val="dk2"/>
+                </a:solidFill>
+                <a:latin typeface="Calibri"/>
+              </a:rPr>
+              <a:t>Advisor: Dr. Iris Bahar</a:t>
+            </a:r>
+            <a:endParaRPr b="0" lang="en-US" sz="4200" spc="-1" strike="noStrike">
+              <a:solidFill>
+                <a:srgbClr val="000000"/>
+              </a:solidFill>
+              <a:latin typeface="Arial"/>
+            </a:endParaRPr>
+          </a:p>
+          <a:p>
+            <a:pPr indent="0" defTabSz="4388760">
+              <a:lnSpc>
+                <a:spcPct val="100000"/>
+              </a:lnSpc>
+              <a:spcBef>
+                <a:spcPts val="879"/>
+              </a:spcBef>
+              <a:buNone/>
+              <a:tabLst>
+                <a:tab algn="l" pos="0"/>
+              </a:tabLst>
+            </a:pPr>
+            <a:r>
+              <a:rPr b="1" lang="en-US" sz="4200" spc="-1" strike="noStrike">
+                <a:solidFill>
+                  <a:schemeClr val="dk2"/>
+                </a:solidFill>
+                <a:latin typeface="Calibri"/>
+              </a:rPr>
+              <a:t>Department of Computer Science</a:t>
+            </a:r>
+            <a:endParaRPr b="0" lang="en-US" sz="4200" spc="-1" strike="noStrike">
+              <a:solidFill>
+                <a:srgbClr val="000000"/>
+              </a:solidFill>
+              <a:latin typeface="Arial"/>
             </a:endParaRPr>
           </a:p>
         </p:txBody>
       </p:sp>
       <p:sp>
         <p:nvSpPr>
-          <p:cNvPr id="40" name="PlaceHolder 12"/>
+          <p:cNvPr id="21" name="PlaceHolder 4"/>
           <p:cNvSpPr>
             <a:spLocks noGrp="1"/>
           </p:cNvSpPr>
           <p:nvPr>
-            <p:ph type="body"/>
+            <p:ph/>
           </p:nvPr>
         </p:nvSpPr>
         <p:spPr>
           <a:xfrm>
-            <a:off x="922680" y="6294960"/>
-            <a:ext cx="9143640" cy="1415520"/>
+            <a:off x="474480" y="14329800"/>
+            <a:ext cx="10041120" cy="17602200"/>
           </a:xfrm>
           <a:prstGeom prst="rect">
             <a:avLst/>
@@ -6005,109 +5345,297 @@
             <a:noAutofit/>
           </a:bodyPr>
           <a:p>
-            <a:pPr indent="0" defTabSz="4388760">
+            <a:pPr marL="432000" indent="-324000">
               <a:lnSpc>
                 <a:spcPct val="100000"/>
               </a:lnSpc>
               <a:spcBef>
-                <a:spcPts val="720"/>
+                <a:spcPts val="1417"/>
               </a:spcBef>
-              <a:buNone/>
-              <a:tabLst>
-                <a:tab algn="l" pos="0"/>
-              </a:tabLst>
+              <a:buClr>
+                <a:srgbClr val="000000"/>
+              </a:buClr>
+              <a:buSzPct val="45000"/>
+              <a:buFont typeface="Wingdings" charset="2"/>
+              <a:buChar char=""/>
             </a:pPr>
             <a:r>
-              <a:rPr b="1" lang="en-US" sz="3600" spc="-1" strike="noStrike">
-                <a:solidFill>
-                  <a:schemeClr val="dk2"/>
+              <a:rPr b="0" lang="en-US" sz="4000" spc="-1" strike="noStrike">
+                <a:solidFill>
+                  <a:schemeClr val="dk1"/>
                 </a:solidFill>
                 <a:latin typeface="Calibri"/>
               </a:rPr>
-              <a:t>Click here to add Affiliations</a:t>
-            </a:r>
-            <a:endParaRPr b="0" lang="en-US" sz="3600" spc="-1" strike="noStrike">
+              <a:t>Trusted Execution Environments (TEEs) provide hardware guarantees </a:t>
+            </a:r>
+            <a:r>
+              <a:rPr b="0" lang="en-US" sz="4000" spc="-1" strike="noStrike">
+                <a:solidFill>
+                  <a:schemeClr val="dk1"/>
+                </a:solidFill>
+                <a:latin typeface="Calibri"/>
+              </a:rPr>
+              <a:t>that seek to protect the security and isolation of application data. </a:t>
+            </a:r>
+            <a:endParaRPr b="0" lang="en-US" sz="4000" spc="-1" strike="noStrike">
               <a:solidFill>
-                <a:schemeClr val="dk1"/>
+                <a:srgbClr val="000000"/>
               </a:solidFill>
-              <a:latin typeface="Calibri"/>
+              <a:latin typeface="Arial"/>
+            </a:endParaRPr>
+          </a:p>
+          <a:p>
+            <a:pPr marL="432000" indent="-324000">
+              <a:lnSpc>
+                <a:spcPct val="100000"/>
+              </a:lnSpc>
+              <a:spcBef>
+                <a:spcPts val="1417"/>
+              </a:spcBef>
+              <a:buClr>
+                <a:srgbClr val="000000"/>
+              </a:buClr>
+              <a:buSzPct val="45000"/>
+              <a:buFont typeface="Wingdings" charset="2"/>
+              <a:buChar char=""/>
+            </a:pPr>
+            <a:r>
+              <a:rPr b="0" lang="en-US" sz="4000" spc="-1" strike="noStrike">
+                <a:solidFill>
+                  <a:schemeClr val="dk1"/>
+                </a:solidFill>
+                <a:latin typeface="Calibri"/>
+              </a:rPr>
+              <a:t>Many proprietary TEEs exist, each with its own implementation and </a:t>
+            </a:r>
+            <a:r>
+              <a:rPr b="0" lang="en-US" sz="4000" spc="-1" strike="noStrike">
+                <a:solidFill>
+                  <a:schemeClr val="dk1"/>
+                </a:solidFill>
+                <a:latin typeface="Calibri"/>
+              </a:rPr>
+              <a:t>respective way of providing security. </a:t>
+            </a:r>
+            <a:endParaRPr b="0" lang="en-US" sz="4000" spc="-1" strike="noStrike">
+              <a:solidFill>
+                <a:srgbClr val="000000"/>
+              </a:solidFill>
+              <a:latin typeface="Arial"/>
+            </a:endParaRPr>
+          </a:p>
+          <a:p>
+            <a:pPr marL="432000" indent="-324000">
+              <a:lnSpc>
+                <a:spcPct val="100000"/>
+              </a:lnSpc>
+              <a:spcBef>
+                <a:spcPts val="1417"/>
+              </a:spcBef>
+              <a:buClr>
+                <a:srgbClr val="000000"/>
+              </a:buClr>
+              <a:buSzPct val="45000"/>
+              <a:buFont typeface="Wingdings" charset="2"/>
+              <a:buChar char=""/>
+            </a:pPr>
+            <a:r>
+              <a:rPr b="0" lang="en-US" sz="4000" spc="-1" strike="noStrike">
+                <a:solidFill>
+                  <a:schemeClr val="dk1"/>
+                </a:solidFill>
+                <a:latin typeface="Calibri"/>
+              </a:rPr>
+              <a:t>Keystone is an open-source TEE focusing on customization towards the </a:t>
+            </a:r>
+            <a:r>
+              <a:rPr b="0" lang="en-US" sz="4000" spc="-1" strike="noStrike">
+                <a:solidFill>
+                  <a:schemeClr val="dk1"/>
+                </a:solidFill>
+                <a:latin typeface="Calibri"/>
+              </a:rPr>
+              <a:t>specific needs of the user.</a:t>
+            </a:r>
+            <a:endParaRPr b="0" lang="en-US" sz="4000" spc="-1" strike="noStrike">
+              <a:solidFill>
+                <a:srgbClr val="000000"/>
+              </a:solidFill>
+              <a:latin typeface="Arial"/>
+            </a:endParaRPr>
+          </a:p>
+          <a:p>
+            <a:pPr marL="432000" indent="-324000">
+              <a:lnSpc>
+                <a:spcPct val="100000"/>
+              </a:lnSpc>
+              <a:spcBef>
+                <a:spcPts val="1417"/>
+              </a:spcBef>
+              <a:buClr>
+                <a:srgbClr val="000000"/>
+              </a:buClr>
+              <a:buSzPct val="45000"/>
+              <a:buFont typeface="Wingdings" charset="2"/>
+              <a:buChar char=""/>
+            </a:pPr>
+            <a:r>
+              <a:rPr b="0" lang="en-US" sz="4000" spc="-1" strike="noStrike">
+                <a:solidFill>
+                  <a:schemeClr val="dk1"/>
+                </a:solidFill>
+                <a:latin typeface="Calibri"/>
+              </a:rPr>
+              <a:t>TEEs like Keystone leverage the transparency of the RISC-V ISA </a:t>
+            </a:r>
+            <a:r>
+              <a:rPr b="0" lang="en-US" sz="4000" spc="-1" strike="noStrike">
+                <a:solidFill>
+                  <a:schemeClr val="dk1"/>
+                </a:solidFill>
+                <a:latin typeface="Calibri"/>
+              </a:rPr>
+              <a:t>granting users the ability to contribute to Keystone’s standard for </a:t>
+            </a:r>
+            <a:r>
+              <a:rPr b="0" lang="en-US" sz="4000" spc="-1" strike="noStrike">
+                <a:solidFill>
+                  <a:schemeClr val="dk1"/>
+                </a:solidFill>
+                <a:latin typeface="Calibri"/>
+              </a:rPr>
+              <a:t>security</a:t>
+            </a:r>
+            <a:endParaRPr b="0" lang="en-US" sz="4000" spc="-1" strike="noStrike">
+              <a:solidFill>
+                <a:srgbClr val="000000"/>
+              </a:solidFill>
+              <a:latin typeface="Arial"/>
+            </a:endParaRPr>
+          </a:p>
+          <a:p>
+            <a:pPr marL="432000" indent="-324000">
+              <a:lnSpc>
+                <a:spcPct val="100000"/>
+              </a:lnSpc>
+              <a:spcBef>
+                <a:spcPts val="1417"/>
+              </a:spcBef>
+              <a:buClr>
+                <a:srgbClr val="000000"/>
+              </a:buClr>
+              <a:buSzPct val="45000"/>
+              <a:buFont typeface="Wingdings" charset="2"/>
+              <a:buChar char=""/>
+            </a:pPr>
+            <a:r>
+              <a:rPr b="0" lang="en-US" sz="4000" spc="-1" strike="noStrike">
+                <a:solidFill>
+                  <a:schemeClr val="dk1"/>
+                </a:solidFill>
+                <a:latin typeface="Calibri"/>
+              </a:rPr>
+              <a:t>In order to extend TEEs, developers need to either implement their </a:t>
+            </a:r>
+            <a:r>
+              <a:rPr b="0" lang="en-US" sz="4000" spc="-1" strike="noStrike">
+                <a:solidFill>
+                  <a:schemeClr val="dk1"/>
+                </a:solidFill>
+                <a:latin typeface="Calibri"/>
+              </a:rPr>
+              <a:t>designs on FPGAs, which lack real-world benchmarking, or turn to </a:t>
+            </a:r>
+            <a:r>
+              <a:rPr b="0" lang="en-US" sz="4000" spc="-1" strike="noStrike">
+                <a:solidFill>
+                  <a:schemeClr val="dk1"/>
+                </a:solidFill>
+                <a:latin typeface="Calibri"/>
+              </a:rPr>
+              <a:t>architectural simulators.</a:t>
+            </a:r>
+            <a:endParaRPr b="0" lang="en-US" sz="4000" spc="-1" strike="noStrike">
+              <a:solidFill>
+                <a:srgbClr val="000000"/>
+              </a:solidFill>
+              <a:latin typeface="Arial"/>
+            </a:endParaRPr>
+          </a:p>
+          <a:p>
+            <a:pPr marL="432000" indent="-324000">
+              <a:lnSpc>
+                <a:spcPct val="100000"/>
+              </a:lnSpc>
+              <a:spcBef>
+                <a:spcPts val="1417"/>
+              </a:spcBef>
+              <a:buClr>
+                <a:srgbClr val="000000"/>
+              </a:buClr>
+              <a:buSzPct val="45000"/>
+              <a:buFont typeface="Wingdings" charset="2"/>
+              <a:buChar char=""/>
+            </a:pPr>
+            <a:r>
+              <a:rPr b="0" lang="en-US" sz="4000" spc="-1" strike="noStrike">
+                <a:solidFill>
+                  <a:schemeClr val="dk1"/>
+                </a:solidFill>
+                <a:latin typeface="Calibri"/>
+              </a:rPr>
+              <a:t>Lack of effective tools for development and thorough testing on real-</a:t>
+            </a:r>
+            <a:r>
+              <a:rPr b="0" lang="en-US" sz="4000" spc="-1" strike="noStrike">
+                <a:solidFill>
+                  <a:schemeClr val="dk1"/>
+                </a:solidFill>
+                <a:latin typeface="Calibri"/>
+              </a:rPr>
+              <a:t>world benchmarks. This work defines a methodology for </a:t>
+            </a:r>
+            <a:r>
+              <a:rPr b="0" lang="en-US" sz="4000" spc="-1" strike="noStrike">
+                <a:solidFill>
+                  <a:schemeClr val="dk1"/>
+                </a:solidFill>
+                <a:latin typeface="Calibri"/>
+              </a:rPr>
+              <a:t>implementing and evaluating contributions to open-source TEEs within </a:t>
+            </a:r>
+            <a:r>
+              <a:rPr b="0" lang="en-US" sz="4000" spc="-1" strike="noStrike">
+                <a:solidFill>
+                  <a:schemeClr val="dk1"/>
+                </a:solidFill>
+                <a:latin typeface="Calibri"/>
+              </a:rPr>
+              <a:t>state-of-the-art architectural simulators.</a:t>
+            </a:r>
+            <a:endParaRPr b="0" lang="en-US" sz="4000" spc="-1" strike="noStrike">
+              <a:solidFill>
+                <a:srgbClr val="000000"/>
+              </a:solidFill>
+              <a:latin typeface="Arial"/>
             </a:endParaRPr>
           </a:p>
         </p:txBody>
       </p:sp>
       <p:sp>
         <p:nvSpPr>
-          <p:cNvPr id="41" name="PlaceHolder 13"/>
+          <p:cNvPr id="22" name="PlaceHolder 5"/>
           <p:cNvSpPr>
             <a:spLocks noGrp="1"/>
           </p:cNvSpPr>
           <p:nvPr>
-            <p:ph type="body"/>
+            <p:ph/>
           </p:nvPr>
         </p:nvSpPr>
         <p:spPr>
           <a:xfrm>
-            <a:off x="33874200" y="-7256880"/>
-            <a:ext cx="9143640" cy="19275480"/>
-          </a:xfrm>
-          <a:prstGeom prst="rect">
-            <a:avLst/>
-          </a:prstGeom>
-          <a:noFill/>
-          <a:ln w="0">
-            <a:noFill/>
-          </a:ln>
-        </p:spPr>
-        <p:txBody>
-          <a:bodyPr lIns="91440" rIns="91440" tIns="91440" bIns="91440" anchor="ctr">
-            <a:noAutofit/>
-          </a:bodyPr>
-          <a:p>
-            <a:pPr indent="0" defTabSz="4388760">
-              <a:lnSpc>
-                <a:spcPct val="100000"/>
-              </a:lnSpc>
-              <a:spcBef>
-                <a:spcPts val="799"/>
-              </a:spcBef>
-              <a:buNone/>
-              <a:tabLst>
-                <a:tab algn="l" pos="0"/>
-              </a:tabLst>
-            </a:pPr>
-            <a:r>
-              <a:rPr b="1" lang="en-US" sz="4000" spc="-1" strike="noStrike" u="sng">
-                <a:solidFill>
-                  <a:schemeClr val="accent6"/>
-                </a:solidFill>
-                <a:uFillTx/>
-                <a:latin typeface="Calibri"/>
-              </a:rPr>
-              <a:t>(click to edit) RESULTS</a:t>
-            </a:r>
-            <a:endParaRPr b="0" lang="en-US" sz="4000" spc="-1" strike="noStrike">
-              <a:solidFill>
-                <a:schemeClr val="dk1"/>
-              </a:solidFill>
-              <a:latin typeface="Calibri"/>
-            </a:endParaRPr>
-          </a:p>
-        </p:txBody>
-      </p:sp>
-      <p:sp>
-        <p:nvSpPr>
-          <p:cNvPr id="42" name="PlaceHolder 14"/>
-          <p:cNvSpPr>
-            <a:spLocks noGrp="1"/>
-          </p:cNvSpPr>
-          <p:nvPr>
-            <p:ph type="body"/>
-          </p:nvPr>
-        </p:nvSpPr>
-        <p:spPr>
-          <a:xfrm>
-            <a:off x="33874200" y="2881800"/>
-            <a:ext cx="9143640" cy="953640"/>
+            <a:off x="33147720" y="19659600"/>
+            <a:ext cx="10057680" cy="11201400"/>
           </a:xfrm>
           <a:prstGeom prst="rect">
             <a:avLst/>
@@ -6122,50 +5650,297 @@
             <a:noAutofit/>
           </a:bodyPr>
           <a:p>
-            <a:pPr indent="0" defTabSz="4388760">
+            <a:pPr indent="0">
               <a:lnSpc>
                 <a:spcPct val="100000"/>
               </a:lnSpc>
-              <a:spcBef>
-                <a:spcPts val="641"/>
-              </a:spcBef>
               <a:buNone/>
-              <a:tabLst>
-                <a:tab algn="l" pos="0"/>
-              </a:tabLst>
             </a:pPr>
             <a:r>
-              <a:rPr b="0" lang="en-US" sz="3200" spc="-1" strike="noStrike">
-                <a:solidFill>
-                  <a:schemeClr val="dk2"/>
-                </a:solidFill>
-                <a:latin typeface="Calibri"/>
-              </a:rPr>
-              <a:t>Add Tables and Figures in this section.</a:t>
-            </a:r>
-            <a:endParaRPr b="0" lang="en-US" sz="3200" spc="-1" strike="noStrike">
+              <a:rPr b="1" lang="en-US" sz="6000" spc="-1" strike="noStrike" u="sng">
+                <a:solidFill>
+                  <a:srgbClr val="df5327"/>
+                </a:solidFill>
+                <a:uFillTx/>
+                <a:latin typeface="Arial"/>
+              </a:rPr>
+              <a:t>References</a:t>
+            </a:r>
+            <a:endParaRPr b="0" lang="en-US" sz="6000" spc="-1" strike="noStrike">
               <a:solidFill>
-                <a:schemeClr val="dk1"/>
+                <a:srgbClr val="000000"/>
               </a:solidFill>
-              <a:latin typeface="Calibri"/>
+              <a:latin typeface="Arial"/>
+            </a:endParaRPr>
+          </a:p>
+          <a:p>
+            <a:pPr indent="-324000">
+              <a:lnSpc>
+                <a:spcPct val="100000"/>
+              </a:lnSpc>
+              <a:buClr>
+                <a:srgbClr val="000000"/>
+              </a:buClr>
+              <a:buFont typeface="Symbol" charset="2"/>
+              <a:buChar char=""/>
+            </a:pPr>
+            <a:r>
+              <a:rPr b="0" lang="en-US" sz="3600" spc="-1" strike="noStrike">
+                <a:solidFill>
+                  <a:srgbClr val="000000"/>
+                </a:solidFill>
+                <a:latin typeface="Arial"/>
+              </a:rPr>
+              <a:t> </a:t>
+            </a:r>
+            <a:r>
+              <a:rPr b="0" lang="en-US" sz="3600" spc="-1" strike="noStrike">
+                <a:solidFill>
+                  <a:srgbClr val="000000"/>
+                </a:solidFill>
+                <a:latin typeface="Arial"/>
+              </a:rPr>
+              <a:t>D. Lee, Building Trusted Execution </a:t>
+            </a:r>
+            <a:r>
+              <a:rPr b="0" lang="en-US" sz="3600" spc="-1" strike="noStrike">
+                <a:solidFill>
+                  <a:srgbClr val="000000"/>
+                </a:solidFill>
+                <a:latin typeface="Arial"/>
+              </a:rPr>
+              <a:t>Environments, 2022.</a:t>
+            </a:r>
+            <a:endParaRPr b="0" lang="en-US" sz="3600" spc="-1" strike="noStrike">
+              <a:solidFill>
+                <a:srgbClr val="000000"/>
+              </a:solidFill>
+              <a:latin typeface="Arial"/>
+            </a:endParaRPr>
+          </a:p>
+          <a:p>
+            <a:pPr indent="-324000">
+              <a:lnSpc>
+                <a:spcPct val="100000"/>
+              </a:lnSpc>
+              <a:buClr>
+                <a:srgbClr val="000000"/>
+              </a:buClr>
+              <a:buFont typeface="Symbol" charset="2"/>
+              <a:buChar char=""/>
+            </a:pPr>
+            <a:r>
+              <a:rPr b="0" lang="en-US" sz="3600" spc="-1" strike="noStrike">
+                <a:solidFill>
+                  <a:srgbClr val="000000"/>
+                </a:solidFill>
+                <a:latin typeface="Arial"/>
+              </a:rPr>
+              <a:t>J. Lowe-Power, A. Mutaal Ahmad, A. Alian, </a:t>
+            </a:r>
+            <a:r>
+              <a:rPr b="0" lang="en-US" sz="3600" spc="-1" strike="noStrike">
+                <a:solidFill>
+                  <a:srgbClr val="000000"/>
+                </a:solidFill>
+                <a:latin typeface="Arial"/>
+              </a:rPr>
+              <a:t>R. Amslinger, and et. al., The gem5 </a:t>
+            </a:r>
+            <a:r>
+              <a:rPr b="0" lang="en-US" sz="3600" spc="-1" strike="noStrike">
+                <a:solidFill>
+                  <a:srgbClr val="000000"/>
+                </a:solidFill>
+                <a:latin typeface="Arial"/>
+              </a:rPr>
+              <a:t>Simulator: 20.0+, 2020.</a:t>
+            </a:r>
+            <a:endParaRPr b="0" lang="en-US" sz="3600" spc="-1" strike="noStrike">
+              <a:solidFill>
+                <a:srgbClr val="000000"/>
+              </a:solidFill>
+              <a:latin typeface="Arial"/>
+            </a:endParaRPr>
+          </a:p>
+          <a:p>
+            <a:pPr indent="-324000">
+              <a:lnSpc>
+                <a:spcPct val="100000"/>
+              </a:lnSpc>
+              <a:buClr>
+                <a:srgbClr val="000000"/>
+              </a:buClr>
+              <a:buFont typeface="Symbol" charset="2"/>
+              <a:buChar char=""/>
+            </a:pPr>
+            <a:r>
+              <a:rPr b="0" lang="en-US" sz="3600" spc="-1" strike="noStrike">
+                <a:solidFill>
+                  <a:srgbClr val="000000"/>
+                </a:solidFill>
+                <a:latin typeface="Arial"/>
+              </a:rPr>
+              <a:t>A. Akram, V. Akella, S. Peisert, and J. </a:t>
+            </a:r>
+            <a:r>
+              <a:rPr b="0" lang="en-US" sz="3600" spc="-1" strike="noStrike">
+                <a:solidFill>
+                  <a:srgbClr val="000000"/>
+                </a:solidFill>
+                <a:latin typeface="Arial"/>
+              </a:rPr>
+              <a:t>Lowe-Power, Enabling Design Space </a:t>
+            </a:r>
+            <a:r>
+              <a:rPr b="0" lang="en-US" sz="3600" spc="-1" strike="noStrike">
+                <a:solidFill>
+                  <a:srgbClr val="000000"/>
+                </a:solidFill>
+                <a:latin typeface="Arial"/>
+              </a:rPr>
+              <a:t>Exploration for RISC-V Secure Compute, In: </a:t>
+            </a:r>
+            <a:r>
+              <a:rPr b="0" i="1" lang="en-US" sz="3600" spc="-1" strike="noStrike">
+                <a:solidFill>
+                  <a:srgbClr val="000000"/>
+                </a:solidFill>
+                <a:latin typeface="Arial"/>
+              </a:rPr>
+              <a:t>Fifth Workshop on Computer Architecture </a:t>
+            </a:r>
+            <a:r>
+              <a:rPr b="0" i="1" lang="en-US" sz="3600" spc="-1" strike="noStrike">
+                <a:solidFill>
+                  <a:srgbClr val="000000"/>
+                </a:solidFill>
+                <a:latin typeface="Arial"/>
+              </a:rPr>
+              <a:t>Research with RISC-V (CARRV 2021)</a:t>
+            </a:r>
+            <a:r>
+              <a:rPr b="0" lang="en-US" sz="3600" spc="-1" strike="noStrike">
+                <a:solidFill>
+                  <a:srgbClr val="000000"/>
+                </a:solidFill>
+                <a:latin typeface="Arial"/>
+              </a:rPr>
+              <a:t>, </a:t>
+            </a:r>
+            <a:r>
+              <a:rPr b="0" lang="en-US" sz="3600" spc="-1" strike="noStrike">
+                <a:solidFill>
+                  <a:srgbClr val="000000"/>
+                </a:solidFill>
+                <a:latin typeface="Arial"/>
+              </a:rPr>
+              <a:t>2021.</a:t>
+            </a:r>
+            <a:endParaRPr b="0" lang="en-US" sz="3600" spc="-1" strike="noStrike">
+              <a:solidFill>
+                <a:srgbClr val="000000"/>
+              </a:solidFill>
+              <a:latin typeface="Arial"/>
+            </a:endParaRPr>
+          </a:p>
+          <a:p>
+            <a:pPr indent="-324000">
+              <a:lnSpc>
+                <a:spcPct val="100000"/>
+              </a:lnSpc>
+              <a:buClr>
+                <a:srgbClr val="000000"/>
+              </a:buClr>
+              <a:buFont typeface="Symbol" charset="2"/>
+              <a:buChar char=""/>
+            </a:pPr>
+            <a:r>
+              <a:rPr b="0" lang="en-US" sz="3600" spc="-1" strike="noStrike">
+                <a:solidFill>
+                  <a:srgbClr val="000000"/>
+                </a:solidFill>
+                <a:latin typeface="Arial"/>
+              </a:rPr>
+              <a:t>Z. Moolman, T.S. Lehman, Extending </a:t>
+            </a:r>
+            <a:r>
+              <a:rPr b="0" lang="en-US" sz="3600" spc="-1" strike="noStrike">
+                <a:solidFill>
+                  <a:srgbClr val="000000"/>
+                </a:solidFill>
+                <a:latin typeface="Arial"/>
+              </a:rPr>
+              <a:t>RISC-V Keystone to Include Efficient </a:t>
+            </a:r>
+            <a:r>
+              <a:rPr b="0" lang="en-US" sz="3600" spc="-1" strike="noStrike">
+                <a:solidFill>
+                  <a:srgbClr val="000000"/>
+                </a:solidFill>
+                <a:latin typeface="Arial"/>
+              </a:rPr>
+              <a:t>Secure Memory, in: </a:t>
+            </a:r>
+            <a:r>
+              <a:rPr b="0" i="1" lang="en-US" sz="3600" spc="-1" strike="noStrike">
+                <a:solidFill>
+                  <a:srgbClr val="000000"/>
+                </a:solidFill>
+                <a:latin typeface="Arial"/>
+              </a:rPr>
+              <a:t>Eighth Workshop on </a:t>
+            </a:r>
+            <a:r>
+              <a:rPr b="0" i="1" lang="en-US" sz="3600" spc="-1" strike="noStrike">
+                <a:solidFill>
+                  <a:srgbClr val="000000"/>
+                </a:solidFill>
+                <a:latin typeface="Arial"/>
+              </a:rPr>
+              <a:t>Computer Architecture Research with RISC-</a:t>
+            </a:r>
+            <a:r>
+              <a:rPr b="0" i="1" lang="en-US" sz="3600" spc="-1" strike="noStrike">
+                <a:solidFill>
+                  <a:srgbClr val="000000"/>
+                </a:solidFill>
+                <a:latin typeface="Arial"/>
+              </a:rPr>
+              <a:t>V (CARRV 2024), </a:t>
+            </a:r>
+            <a:r>
+              <a:rPr b="0" lang="en-US" sz="3600" spc="-1" strike="noStrike">
+                <a:solidFill>
+                  <a:srgbClr val="000000"/>
+                </a:solidFill>
+                <a:latin typeface="Arial"/>
+              </a:rPr>
+              <a:t>2024.</a:t>
+            </a:r>
+            <a:endParaRPr b="0" lang="en-US" sz="3600" spc="-1" strike="noStrike">
+              <a:solidFill>
+                <a:srgbClr val="000000"/>
+              </a:solidFill>
+              <a:latin typeface="Arial"/>
             </a:endParaRPr>
           </a:p>
         </p:txBody>
       </p:sp>
       <p:sp>
         <p:nvSpPr>
-          <p:cNvPr id="43" name="PlaceHolder 15"/>
+          <p:cNvPr id="23" name="PlaceHolder 6"/>
           <p:cNvSpPr>
             <a:spLocks noGrp="1"/>
           </p:cNvSpPr>
           <p:nvPr>
-            <p:ph type="body"/>
+            <p:ph/>
           </p:nvPr>
         </p:nvSpPr>
         <p:spPr>
           <a:xfrm>
             <a:off x="922680" y="1926000"/>
-            <a:ext cx="9143640" cy="2786760"/>
+            <a:ext cx="10049760" cy="3560040"/>
           </a:xfrm>
           <a:prstGeom prst="rect">
             <a:avLst/>
@@ -6199,1113 +5974,54 @@
                 </a:solidFill>
                 <a:latin typeface="Calibri"/>
               </a:rPr>
-              <a:t>Click here to add Poster Title</a:t>
+              <a:t>Extending Keystone </a:t>
+            </a:r>
+            <a:r>
+              <a:rPr b="1" lang="en-US" sz="6600" spc="-1" strike="noStrike">
+                <a:solidFill>
+                  <a:schemeClr val="dk2"/>
+                </a:solidFill>
+                <a:latin typeface="Calibri"/>
+              </a:rPr>
+              <a:t>within the gem5 </a:t>
+            </a:r>
+            <a:r>
+              <a:rPr b="1" lang="en-US" sz="6600" spc="-1" strike="noStrike">
+                <a:solidFill>
+                  <a:schemeClr val="dk2"/>
+                </a:solidFill>
+                <a:latin typeface="Calibri"/>
+              </a:rPr>
+              <a:t>Architectural </a:t>
+            </a:r>
+            <a:r>
+              <a:rPr b="1" lang="en-US" sz="6600" spc="-1" strike="noStrike">
+                <a:solidFill>
+                  <a:schemeClr val="dk2"/>
+                </a:solidFill>
+                <a:latin typeface="Calibri"/>
+              </a:rPr>
+              <a:t>Simulator</a:t>
             </a:r>
             <a:endParaRPr b="0" lang="en-US" sz="6600" spc="-1" strike="noStrike">
               <a:solidFill>
-                <a:schemeClr val="dk1"/>
+                <a:srgbClr val="000000"/>
               </a:solidFill>
-              <a:latin typeface="Calibri"/>
-            </a:endParaRPr>
-          </a:p>
-        </p:txBody>
-      </p:sp>
-    </p:spTree>
-  </p:cSld>
-  <p:clrMap bg1="lt1" bg2="lt2" tx1="dk1" tx2="dk2" accent1="accent1" accent2="accent2" accent3="accent3" accent4="accent4" accent5="accent5" accent6="accent6" hlink="hlink" folHlink="folHlink"/>
-  <p:sldLayoutIdLst>
-    <p:sldLayoutId id="2147483651" r:id="rId2"/>
-  </p:sldLayoutIdLst>
-</p:sldMaster>
-</file>
-
-<file path=ppt/slides/slide1.xml><?xml version="1.0" encoding="utf-8"?>
-<p:sld xmlns:a="http://schemas.openxmlformats.org/drawingml/2006/main" xmlns:p="http://schemas.openxmlformats.org/presentationml/2006/main" xmlns:r="http://schemas.openxmlformats.org/officeDocument/2006/relationships" xmlns:p14="http://schemas.microsoft.com/office/powerpoint/2010/main" xmlns:p15="http://schemas.microsoft.com/office/powerpoint/2012/main" xmlns:mc="http://schemas.openxmlformats.org/markup-compatibility/2006">
-  <p:cSld>
-    <p:bg>
-      <p:bgPr>
-        <a:solidFill>
-          <a:srgbClr val="f5f9fb"/>
-        </a:solidFill>
-      </p:bgPr>
-    </p:bg>
-    <p:spTree>
-      <p:nvGrpSpPr>
-        <p:cNvPr id="1" name=""/>
-        <p:cNvGrpSpPr/>
-        <p:nvPr/>
-      </p:nvGrpSpPr>
-      <p:grpSpPr>
-        <a:xfrm>
-          <a:off x="0" y="0"/>
-          <a:ext cx="0" cy="0"/>
-          <a:chOff x="0" y="0"/>
-          <a:chExt cx="0" cy="0"/>
-        </a:xfrm>
-      </p:grpSpPr>
-      <p:sp>
-        <p:nvSpPr>
-          <p:cNvPr id="44" name="PlaceHolder 1"/>
-          <p:cNvSpPr>
-            <a:spLocks noGrp="1"/>
-          </p:cNvSpPr>
-          <p:nvPr>
-            <p:ph/>
-          </p:nvPr>
-        </p:nvSpPr>
-        <p:spPr>
-          <a:xfrm>
-            <a:off x="686160" y="9144000"/>
-            <a:ext cx="9143640" cy="799920"/>
-          </a:xfrm>
-          <a:prstGeom prst="rect">
-            <a:avLst/>
-          </a:prstGeom>
-          <a:noFill/>
-          <a:ln w="0">
-            <a:noFill/>
-          </a:ln>
-        </p:spPr>
-        <p:txBody>
-          <a:bodyPr lIns="91440" rIns="91440" tIns="91440" bIns="91440" anchor="ctr">
-            <a:noAutofit/>
-          </a:bodyPr>
-          <a:p>
-            <a:pPr indent="0" defTabSz="4388760">
-              <a:lnSpc>
-                <a:spcPct val="100000"/>
-              </a:lnSpc>
-              <a:spcBef>
-                <a:spcPts val="799"/>
-              </a:spcBef>
-              <a:tabLst>
-                <a:tab algn="l" pos="0"/>
-              </a:tabLst>
-            </a:pPr>
-            <a:r>
-              <a:rPr b="1" lang="en-US" sz="6000" spc="-1" strike="noStrike" u="sng">
-                <a:solidFill>
-                  <a:schemeClr val="accent6"/>
-                </a:solidFill>
-                <a:uFillTx/>
-                <a:latin typeface="Calibri"/>
-              </a:rPr>
-              <a:t>Abstract</a:t>
-            </a:r>
-            <a:endParaRPr b="1" lang="en-US" sz="6000" spc="-1" strike="noStrike" u="sng">
-              <a:solidFill>
-                <a:schemeClr val="accent6"/>
-              </a:solidFill>
-              <a:uFillTx/>
-              <a:latin typeface="Calibri"/>
+              <a:latin typeface="Arial"/>
             </a:endParaRPr>
           </a:p>
         </p:txBody>
       </p:sp>
       <p:sp>
         <p:nvSpPr>
-          <p:cNvPr id="45" name="PlaceHolder 2"/>
-          <p:cNvSpPr>
-            <a:spLocks noGrp="1"/>
-          </p:cNvSpPr>
-          <p:nvPr>
-            <p:ph/>
-          </p:nvPr>
-        </p:nvSpPr>
-        <p:spPr>
-          <a:xfrm>
-            <a:off x="33832800" y="21054600"/>
-            <a:ext cx="9143640" cy="799920"/>
-          </a:xfrm>
-          <a:prstGeom prst="rect">
-            <a:avLst/>
-          </a:prstGeom>
-          <a:noFill/>
-          <a:ln w="0">
-            <a:noFill/>
-          </a:ln>
-        </p:spPr>
-        <p:txBody>
-          <a:bodyPr lIns="91440" rIns="91440" tIns="91440" bIns="91440" anchor="ctr">
-            <a:noAutofit/>
-          </a:bodyPr>
-          <a:p>
-            <a:pPr indent="0">
-              <a:spcBef>
-                <a:spcPts val="1417"/>
-              </a:spcBef>
-              <a:buNone/>
-            </a:pPr>
-            <a:endParaRPr b="1" lang="en-US" sz="4000" spc="-1" strike="noStrike" u="sng">
-              <a:solidFill>
-                <a:schemeClr val="accent6"/>
-              </a:solidFill>
-              <a:uFillTx/>
-              <a:latin typeface="Calibri"/>
-            </a:endParaRPr>
-          </a:p>
-        </p:txBody>
-      </p:sp>
-      <p:sp>
-        <p:nvSpPr>
-          <p:cNvPr id="46" name="PlaceHolder 3"/>
-          <p:cNvSpPr>
-            <a:spLocks noGrp="1"/>
-          </p:cNvSpPr>
-          <p:nvPr>
-            <p:ph/>
-          </p:nvPr>
-        </p:nvSpPr>
-        <p:spPr>
-          <a:xfrm>
-            <a:off x="33832800" y="21943080"/>
-            <a:ext cx="9143640" cy="953640"/>
-          </a:xfrm>
-          <a:prstGeom prst="rect">
-            <a:avLst/>
-          </a:prstGeom>
-          <a:noFill/>
-          <a:ln w="0">
-            <a:noFill/>
-          </a:ln>
-        </p:spPr>
-        <p:txBody>
-          <a:bodyPr lIns="228600" rIns="228600" tIns="228600" bIns="228600" anchor="t">
-            <a:noAutofit/>
-          </a:bodyPr>
-          <a:p>
-            <a:pPr indent="0">
-              <a:spcBef>
-                <a:spcPts val="1417"/>
-              </a:spcBef>
-              <a:buNone/>
-            </a:pPr>
-            <a:endParaRPr b="0" lang="en-US" sz="3200" spc="-1" strike="noStrike">
-              <a:solidFill>
-                <a:schemeClr val="dk2"/>
-              </a:solidFill>
-              <a:latin typeface="Calibri"/>
-            </a:endParaRPr>
-          </a:p>
-        </p:txBody>
-      </p:sp>
-      <p:sp>
-        <p:nvSpPr>
-          <p:cNvPr id="47" name="PlaceHolder 4"/>
-          <p:cNvSpPr>
-            <a:spLocks noGrp="1"/>
-          </p:cNvSpPr>
-          <p:nvPr>
-            <p:ph/>
-          </p:nvPr>
-        </p:nvSpPr>
-        <p:spPr>
-          <a:xfrm>
-            <a:off x="12989160" y="1805760"/>
-            <a:ext cx="17414640" cy="19454040"/>
-          </a:xfrm>
-          <a:prstGeom prst="rect">
-            <a:avLst/>
-          </a:prstGeom>
-          <a:noFill/>
-          <a:ln w="0">
-            <a:noFill/>
-          </a:ln>
-        </p:spPr>
-        <p:txBody>
-          <a:bodyPr lIns="90000" rIns="90000" tIns="45000" bIns="45000" anchor="t">
-            <a:noAutofit/>
-          </a:bodyPr>
-          <a:p>
-            <a:pPr marL="432000" indent="0" algn="ctr">
-              <a:spcBef>
-                <a:spcPts val="1417"/>
-              </a:spcBef>
-              <a:buNone/>
-            </a:pPr>
-            <a:r>
-              <a:rPr b="1" lang="en-US" sz="5400" spc="-1" strike="noStrike">
-                <a:solidFill>
-                  <a:schemeClr val="dk1"/>
-                </a:solidFill>
-                <a:latin typeface="Calibri"/>
-              </a:rPr>
-              <a:t>Keystone &amp; gem5</a:t>
-            </a:r>
-            <a:endParaRPr b="1" lang="en-US" sz="5400" spc="-1" strike="noStrike" u="sng">
-              <a:solidFill>
-                <a:schemeClr val="dk1"/>
-              </a:solidFill>
-              <a:uFillTx/>
-              <a:latin typeface="Calibri"/>
-            </a:endParaRPr>
-          </a:p>
-          <a:p>
-            <a:pPr marL="432000" indent="-324000">
-              <a:spcBef>
-                <a:spcPts val="1417"/>
-              </a:spcBef>
-              <a:buClr>
-                <a:srgbClr val="000000"/>
-              </a:buClr>
-              <a:buSzPct val="45000"/>
-              <a:buFont typeface="Wingdings" charset="2"/>
-              <a:buChar char=""/>
-            </a:pPr>
-            <a:r>
-              <a:rPr b="0" lang="en-US" sz="4000" spc="-1" strike="noStrike">
-                <a:solidFill>
-                  <a:schemeClr val="dk1"/>
-                </a:solidFill>
-                <a:latin typeface="Calibri"/>
-              </a:rPr>
-              <a:t>What is gem5</a:t>
-            </a:r>
-            <a:endParaRPr b="1" lang="en-US" sz="4000" spc="-1" strike="noStrike" u="sng">
-              <a:solidFill>
-                <a:schemeClr val="dk1"/>
-              </a:solidFill>
-              <a:uFillTx/>
-              <a:latin typeface="Calibri"/>
-            </a:endParaRPr>
-          </a:p>
-          <a:p>
-            <a:pPr marL="432000" indent="-324000">
-              <a:spcBef>
-                <a:spcPts val="1417"/>
-              </a:spcBef>
-              <a:buClr>
-                <a:srgbClr val="000000"/>
-              </a:buClr>
-              <a:buSzPct val="45000"/>
-              <a:buFont typeface="Wingdings" charset="2"/>
-              <a:buChar char=""/>
-            </a:pPr>
-            <a:r>
-              <a:rPr b="0" lang="en-US" sz="4000" spc="-1" strike="noStrike">
-                <a:solidFill>
-                  <a:schemeClr val="dk1"/>
-                </a:solidFill>
-                <a:latin typeface="Calibri"/>
-              </a:rPr>
-              <a:t>Why gem5 &amp; why gem5 for this </a:t>
-            </a:r>
-            <a:r>
-              <a:rPr b="0" lang="en-US" sz="4000" spc="-1" strike="noStrike">
-                <a:solidFill>
-                  <a:schemeClr val="dk1"/>
-                </a:solidFill>
-                <a:latin typeface="Calibri"/>
-              </a:rPr>
-              <a:t>purpose</a:t>
-            </a:r>
-            <a:endParaRPr b="1" lang="en-US" sz="4000" spc="-1" strike="noStrike" u="sng">
-              <a:solidFill>
-                <a:schemeClr val="dk1"/>
-              </a:solidFill>
-              <a:uFillTx/>
-              <a:latin typeface="Calibri"/>
-            </a:endParaRPr>
-          </a:p>
-          <a:p>
-            <a:pPr marL="432000" indent="-324000">
-              <a:spcBef>
-                <a:spcPts val="1417"/>
-              </a:spcBef>
-              <a:buClr>
-                <a:srgbClr val="000000"/>
-              </a:buClr>
-              <a:buSzPct val="45000"/>
-              <a:buFont typeface="Wingdings" charset="2"/>
-              <a:buChar char=""/>
-            </a:pPr>
-            <a:r>
-              <a:rPr b="0" lang="en-US" sz="4000" spc="-1" strike="noStrike">
-                <a:solidFill>
-                  <a:schemeClr val="dk1"/>
-                </a:solidFill>
-                <a:latin typeface="Calibri"/>
-              </a:rPr>
-              <a:t>What are we implementing in </a:t>
-            </a:r>
-            <a:r>
-              <a:rPr b="0" lang="en-US" sz="4000" spc="-1" strike="noStrike">
-                <a:solidFill>
-                  <a:schemeClr val="dk1"/>
-                </a:solidFill>
-                <a:latin typeface="Calibri"/>
-              </a:rPr>
-              <a:t>Keystone</a:t>
-            </a:r>
-            <a:endParaRPr b="1" lang="en-US" sz="4000" spc="-1" strike="noStrike" u="sng">
-              <a:solidFill>
-                <a:schemeClr val="dk1"/>
-              </a:solidFill>
-              <a:uFillTx/>
-              <a:latin typeface="Calibri"/>
-            </a:endParaRPr>
-          </a:p>
-          <a:p>
-            <a:pPr marL="432000" indent="-324000">
-              <a:spcBef>
-                <a:spcPts val="1417"/>
-              </a:spcBef>
-              <a:buClr>
-                <a:srgbClr val="000000"/>
-              </a:buClr>
-              <a:buSzPct val="45000"/>
-              <a:buFont typeface="Wingdings" charset="2"/>
-              <a:buChar char=""/>
-            </a:pPr>
-            <a:r>
-              <a:rPr b="0" lang="en-US" sz="4000" spc="-1" strike="noStrike">
-                <a:solidFill>
-                  <a:schemeClr val="dk1"/>
-                </a:solidFill>
-                <a:latin typeface="Calibri"/>
-              </a:rPr>
-              <a:t>How to implement</a:t>
-            </a:r>
-            <a:endParaRPr b="1" lang="en-US" sz="4000" spc="-1" strike="noStrike" u="sng">
-              <a:solidFill>
-                <a:schemeClr val="dk1"/>
-              </a:solidFill>
-              <a:uFillTx/>
-              <a:latin typeface="Calibri"/>
-            </a:endParaRPr>
-          </a:p>
-        </p:txBody>
-      </p:sp>
-      <p:pic>
-        <p:nvPicPr>
-          <p:cNvPr id="48" name="Picture Placeholder 25" descr=""/>
-          <p:cNvPicPr/>
-          <p:nvPr/>
-        </p:nvPicPr>
-        <p:blipFill>
-          <a:blip r:embed="rId1"/>
-          <a:stretch/>
-        </p:blipFill>
-        <p:spPr>
-          <a:xfrm>
-            <a:off x="13487400" y="22339080"/>
-            <a:ext cx="17373600" cy="7836120"/>
-          </a:xfrm>
-          <a:prstGeom prst="rect">
-            <a:avLst/>
-          </a:prstGeom>
-          <a:ln w="0">
-            <a:noFill/>
-          </a:ln>
-        </p:spPr>
-      </p:pic>
-      <p:sp>
-        <p:nvSpPr>
-          <p:cNvPr id="49" name="PlaceHolder 5"/>
-          <p:cNvSpPr>
-            <a:spLocks noGrp="1"/>
-          </p:cNvSpPr>
-          <p:nvPr>
-            <p:ph/>
-          </p:nvPr>
-        </p:nvSpPr>
-        <p:spPr>
-          <a:xfrm>
-            <a:off x="922680" y="5486400"/>
-            <a:ext cx="9143640" cy="2787120"/>
-          </a:xfrm>
-          <a:prstGeom prst="rect">
-            <a:avLst/>
-          </a:prstGeom>
-          <a:noFill/>
-          <a:ln w="0">
-            <a:noFill/>
-          </a:ln>
-        </p:spPr>
-        <p:txBody>
-          <a:bodyPr lIns="90000" rIns="90000" tIns="45000" bIns="45000" anchor="t">
-            <a:noAutofit/>
-          </a:bodyPr>
-          <a:p>
-            <a:pPr indent="0" defTabSz="4388760">
-              <a:lnSpc>
-                <a:spcPct val="100000"/>
-              </a:lnSpc>
-              <a:spcBef>
-                <a:spcPts val="879"/>
-              </a:spcBef>
-              <a:tabLst>
-                <a:tab algn="l" pos="0"/>
-              </a:tabLst>
-            </a:pPr>
-            <a:r>
-              <a:rPr b="1" lang="en-US" sz="4200" spc="-1" strike="noStrike">
-                <a:solidFill>
-                  <a:schemeClr val="dk2"/>
-                </a:solidFill>
-                <a:latin typeface="Calibri"/>
-              </a:rPr>
-              <a:t>By: Will Buziak</a:t>
-            </a:r>
-            <a:endParaRPr b="1" lang="en-US" sz="4200" spc="-1" strike="noStrike">
-              <a:solidFill>
-                <a:schemeClr val="dk2"/>
-              </a:solidFill>
-              <a:latin typeface="Calibri"/>
-            </a:endParaRPr>
-          </a:p>
-          <a:p>
-            <a:pPr indent="0" defTabSz="4388760">
-              <a:lnSpc>
-                <a:spcPct val="100000"/>
-              </a:lnSpc>
-              <a:spcBef>
-                <a:spcPts val="879"/>
-              </a:spcBef>
-              <a:tabLst>
-                <a:tab algn="l" pos="0"/>
-              </a:tabLst>
-            </a:pPr>
-            <a:r>
-              <a:rPr b="1" lang="en-US" sz="4200" spc="-1" strike="noStrike">
-                <a:solidFill>
-                  <a:schemeClr val="dk2"/>
-                </a:solidFill>
-                <a:latin typeface="Calibri"/>
-              </a:rPr>
-              <a:t>Advisor: Dr. Iris Bahar</a:t>
-            </a:r>
-            <a:endParaRPr b="1" lang="en-US" sz="4200" spc="-1" strike="noStrike">
-              <a:solidFill>
-                <a:schemeClr val="dk2"/>
-              </a:solidFill>
-              <a:latin typeface="Calibri"/>
-            </a:endParaRPr>
-          </a:p>
-          <a:p>
-            <a:pPr indent="0" defTabSz="4388760">
-              <a:lnSpc>
-                <a:spcPct val="100000"/>
-              </a:lnSpc>
-              <a:spcBef>
-                <a:spcPts val="879"/>
-              </a:spcBef>
-              <a:tabLst>
-                <a:tab algn="l" pos="0"/>
-              </a:tabLst>
-            </a:pPr>
-            <a:r>
-              <a:rPr b="1" lang="en-US" sz="4200" spc="-1" strike="noStrike">
-                <a:solidFill>
-                  <a:schemeClr val="dk2"/>
-                </a:solidFill>
-                <a:latin typeface="Calibri"/>
-              </a:rPr>
-              <a:t>Department of Computer Science</a:t>
-            </a:r>
-            <a:endParaRPr b="1" lang="en-US" sz="4200" spc="-1" strike="noStrike">
-              <a:solidFill>
-                <a:schemeClr val="dk2"/>
-              </a:solidFill>
-              <a:latin typeface="Calibri"/>
-            </a:endParaRPr>
-          </a:p>
-        </p:txBody>
-      </p:sp>
-      <p:sp>
-        <p:nvSpPr>
-          <p:cNvPr id="50" name="PlaceHolder 6"/>
-          <p:cNvSpPr>
-            <a:spLocks noGrp="1"/>
-          </p:cNvSpPr>
-          <p:nvPr>
-            <p:ph/>
-          </p:nvPr>
-        </p:nvSpPr>
-        <p:spPr>
-          <a:xfrm>
-            <a:off x="685800" y="10708920"/>
-            <a:ext cx="10041480" cy="20380680"/>
-          </a:xfrm>
-          <a:prstGeom prst="rect">
-            <a:avLst/>
-          </a:prstGeom>
-          <a:noFill/>
-          <a:ln w="0">
-            <a:noFill/>
-          </a:ln>
-        </p:spPr>
-        <p:txBody>
-          <a:bodyPr lIns="90000" rIns="90000" tIns="45000" bIns="45000" anchor="t">
-            <a:noAutofit/>
-          </a:bodyPr>
-          <a:p>
-            <a:pPr marL="432000" indent="-324000">
-              <a:spcBef>
-                <a:spcPts val="1417"/>
-              </a:spcBef>
-              <a:buClr>
-                <a:srgbClr val="000000"/>
-              </a:buClr>
-              <a:buSzPct val="45000"/>
-              <a:buFont typeface="Wingdings" charset="2"/>
-              <a:buChar char=""/>
-            </a:pPr>
-            <a:r>
-              <a:rPr b="0" lang="en-US" sz="4000" spc="-1" strike="noStrike">
-                <a:solidFill>
-                  <a:schemeClr val="dk1"/>
-                </a:solidFill>
-                <a:latin typeface="Calibri"/>
-              </a:rPr>
-              <a:t>Trusted Execution Environments </a:t>
-            </a:r>
-            <a:r>
-              <a:rPr b="0" lang="en-US" sz="4000" spc="-1" strike="noStrike">
-                <a:solidFill>
-                  <a:schemeClr val="dk1"/>
-                </a:solidFill>
-                <a:latin typeface="Calibri"/>
-              </a:rPr>
-              <a:t>(TEEs) provide hardware </a:t>
-            </a:r>
-            <a:r>
-              <a:rPr b="0" lang="en-US" sz="4000" spc="-1" strike="noStrike">
-                <a:solidFill>
-                  <a:schemeClr val="dk1"/>
-                </a:solidFill>
-                <a:latin typeface="Calibri"/>
-              </a:rPr>
-              <a:t>guarantees that seek to protect </a:t>
-            </a:r>
-            <a:r>
-              <a:rPr b="0" lang="en-US" sz="4000" spc="-1" strike="noStrike">
-                <a:solidFill>
-                  <a:schemeClr val="dk1"/>
-                </a:solidFill>
-                <a:latin typeface="Calibri"/>
-              </a:rPr>
-              <a:t>the security and isolation of </a:t>
-            </a:r>
-            <a:r>
-              <a:rPr b="0" lang="en-US" sz="4000" spc="-1" strike="noStrike">
-                <a:solidFill>
-                  <a:schemeClr val="dk1"/>
-                </a:solidFill>
-                <a:latin typeface="Calibri"/>
-              </a:rPr>
-              <a:t>application data. </a:t>
-            </a:r>
-            <a:endParaRPr b="0" lang="en-US" sz="4000" spc="-1" strike="noStrike">
-              <a:solidFill>
-                <a:schemeClr val="dk1"/>
-              </a:solidFill>
-              <a:latin typeface="Calibri"/>
-            </a:endParaRPr>
-          </a:p>
-          <a:p>
-            <a:pPr marL="432000" indent="-324000">
-              <a:spcBef>
-                <a:spcPts val="1417"/>
-              </a:spcBef>
-              <a:buClr>
-                <a:srgbClr val="000000"/>
-              </a:buClr>
-              <a:buSzPct val="45000"/>
-              <a:buFont typeface="Wingdings" charset="2"/>
-              <a:buChar char=""/>
-            </a:pPr>
-            <a:r>
-              <a:rPr b="0" lang="en-US" sz="4000" spc="-1" strike="noStrike">
-                <a:solidFill>
-                  <a:schemeClr val="dk1"/>
-                </a:solidFill>
-                <a:latin typeface="Calibri"/>
-              </a:rPr>
-              <a:t>Many proprietary TEEs exist, such </a:t>
-            </a:r>
-            <a:r>
-              <a:rPr b="0" lang="en-US" sz="4000" spc="-1" strike="noStrike">
-                <a:solidFill>
-                  <a:schemeClr val="dk1"/>
-                </a:solidFill>
-                <a:latin typeface="Calibri"/>
-              </a:rPr>
-              <a:t>as Intel's SGX and ARM's Trustzone </a:t>
-            </a:r>
-            <a:r>
-              <a:rPr b="0" lang="en-US" sz="4000" spc="-1" strike="noStrike">
-                <a:solidFill>
-                  <a:schemeClr val="dk1"/>
-                </a:solidFill>
-                <a:latin typeface="Calibri"/>
-              </a:rPr>
-              <a:t>for example, each with its own </a:t>
-            </a:r>
-            <a:r>
-              <a:rPr b="0" lang="en-US" sz="4000" spc="-1" strike="noStrike">
-                <a:solidFill>
-                  <a:schemeClr val="dk1"/>
-                </a:solidFill>
-                <a:latin typeface="Calibri"/>
-              </a:rPr>
-              <a:t>implementation and respective </a:t>
-            </a:r>
-            <a:r>
-              <a:rPr b="0" lang="en-US" sz="4000" spc="-1" strike="noStrike">
-                <a:solidFill>
-                  <a:schemeClr val="dk1"/>
-                </a:solidFill>
-                <a:latin typeface="Calibri"/>
-              </a:rPr>
-              <a:t>way of providing security. </a:t>
-            </a:r>
-            <a:endParaRPr b="0" lang="en-US" sz="4000" spc="-1" strike="noStrike">
-              <a:solidFill>
-                <a:schemeClr val="dk1"/>
-              </a:solidFill>
-              <a:latin typeface="Calibri"/>
-            </a:endParaRPr>
-          </a:p>
-          <a:p>
-            <a:pPr marL="432000" indent="-324000">
-              <a:spcBef>
-                <a:spcPts val="1417"/>
-              </a:spcBef>
-              <a:buClr>
-                <a:srgbClr val="000000"/>
-              </a:buClr>
-              <a:buSzPct val="45000"/>
-              <a:buFont typeface="Wingdings" charset="2"/>
-              <a:buChar char=""/>
-            </a:pPr>
-            <a:r>
-              <a:rPr b="0" lang="en-US" sz="4000" spc="-1" strike="noStrike">
-                <a:solidFill>
-                  <a:schemeClr val="dk1"/>
-                </a:solidFill>
-                <a:latin typeface="Calibri"/>
-              </a:rPr>
-              <a:t>Keystone is an open-source TEE </a:t>
-            </a:r>
-            <a:r>
-              <a:rPr b="0" lang="en-US" sz="4000" spc="-1" strike="noStrike">
-                <a:solidFill>
-                  <a:schemeClr val="dk1"/>
-                </a:solidFill>
-                <a:latin typeface="Calibri"/>
-              </a:rPr>
-              <a:t>focusing on customization </a:t>
-            </a:r>
-            <a:r>
-              <a:rPr b="0" lang="en-US" sz="4000" spc="-1" strike="noStrike">
-                <a:solidFill>
-                  <a:schemeClr val="dk1"/>
-                </a:solidFill>
-                <a:latin typeface="Calibri"/>
-              </a:rPr>
-              <a:t>towards the specific needs of the </a:t>
-            </a:r>
-            <a:r>
-              <a:rPr b="0" lang="en-US" sz="4000" spc="-1" strike="noStrike">
-                <a:solidFill>
-                  <a:schemeClr val="dk1"/>
-                </a:solidFill>
-                <a:latin typeface="Calibri"/>
-              </a:rPr>
-              <a:t>user.</a:t>
-            </a:r>
-            <a:endParaRPr b="0" lang="en-US" sz="4000" spc="-1" strike="noStrike">
-              <a:solidFill>
-                <a:schemeClr val="dk1"/>
-              </a:solidFill>
-              <a:latin typeface="Calibri"/>
-            </a:endParaRPr>
-          </a:p>
-          <a:p>
-            <a:pPr marL="432000" indent="-324000">
-              <a:spcBef>
-                <a:spcPts val="1417"/>
-              </a:spcBef>
-              <a:buClr>
-                <a:srgbClr val="000000"/>
-              </a:buClr>
-              <a:buSzPct val="45000"/>
-              <a:buFont typeface="Wingdings" charset="2"/>
-              <a:buChar char=""/>
-            </a:pPr>
-            <a:r>
-              <a:rPr b="0" lang="en-US" sz="4000" spc="-1" strike="noStrike">
-                <a:solidFill>
-                  <a:schemeClr val="dk1"/>
-                </a:solidFill>
-                <a:latin typeface="Calibri"/>
-              </a:rPr>
-              <a:t>TEEs like Keystone leverage the </a:t>
-            </a:r>
-            <a:r>
-              <a:rPr b="0" lang="en-US" sz="4000" spc="-1" strike="noStrike">
-                <a:solidFill>
-                  <a:schemeClr val="dk1"/>
-                </a:solidFill>
-                <a:latin typeface="Calibri"/>
-              </a:rPr>
-              <a:t>transparency of the RISC-V ISA </a:t>
-            </a:r>
-            <a:r>
-              <a:rPr b="0" lang="en-US" sz="4000" spc="-1" strike="noStrike">
-                <a:solidFill>
-                  <a:schemeClr val="dk1"/>
-                </a:solidFill>
-                <a:latin typeface="Calibri"/>
-              </a:rPr>
-              <a:t>granting users the ability to </a:t>
-            </a:r>
-            <a:r>
-              <a:rPr b="0" lang="en-US" sz="4000" spc="-1" strike="noStrike">
-                <a:solidFill>
-                  <a:schemeClr val="dk1"/>
-                </a:solidFill>
-                <a:latin typeface="Calibri"/>
-              </a:rPr>
-              <a:t>contribute to Keystone’s standard </a:t>
-            </a:r>
-            <a:r>
-              <a:rPr b="0" lang="en-US" sz="4000" spc="-1" strike="noStrike">
-                <a:solidFill>
-                  <a:schemeClr val="dk1"/>
-                </a:solidFill>
-                <a:latin typeface="Calibri"/>
-              </a:rPr>
-              <a:t>for security</a:t>
-            </a:r>
-            <a:endParaRPr b="0" lang="en-US" sz="4000" spc="-1" strike="noStrike">
-              <a:solidFill>
-                <a:schemeClr val="dk1"/>
-              </a:solidFill>
-              <a:latin typeface="Calibri"/>
-            </a:endParaRPr>
-          </a:p>
-          <a:p>
-            <a:pPr marL="432000" indent="-324000">
-              <a:spcBef>
-                <a:spcPts val="1417"/>
-              </a:spcBef>
-              <a:buClr>
-                <a:srgbClr val="000000"/>
-              </a:buClr>
-              <a:buSzPct val="45000"/>
-              <a:buFont typeface="Wingdings" charset="2"/>
-              <a:buChar char=""/>
-            </a:pPr>
-            <a:r>
-              <a:rPr b="0" lang="en-US" sz="4000" spc="-1" strike="noStrike">
-                <a:solidFill>
-                  <a:schemeClr val="dk1"/>
-                </a:solidFill>
-                <a:latin typeface="Calibri"/>
-              </a:rPr>
-              <a:t>In order to extend TEEs, </a:t>
-            </a:r>
-            <a:r>
-              <a:rPr b="0" lang="en-US" sz="4000" spc="-1" strike="noStrike">
-                <a:solidFill>
-                  <a:schemeClr val="dk1"/>
-                </a:solidFill>
-                <a:latin typeface="Calibri"/>
-              </a:rPr>
-              <a:t>developers need to either </a:t>
-            </a:r>
-            <a:r>
-              <a:rPr b="0" lang="en-US" sz="4000" spc="-1" strike="noStrike">
-                <a:solidFill>
-                  <a:schemeClr val="dk1"/>
-                </a:solidFill>
-                <a:latin typeface="Calibri"/>
-              </a:rPr>
-              <a:t>implement their designs on </a:t>
-            </a:r>
-            <a:r>
-              <a:rPr b="0" lang="en-US" sz="4000" spc="-1" strike="noStrike">
-                <a:solidFill>
-                  <a:schemeClr val="dk1"/>
-                </a:solidFill>
-                <a:latin typeface="Calibri"/>
-              </a:rPr>
-              <a:t>FPGAs, which lack real-world </a:t>
-            </a:r>
-            <a:r>
-              <a:rPr b="0" lang="en-US" sz="4000" spc="-1" strike="noStrike">
-                <a:solidFill>
-                  <a:schemeClr val="dk1"/>
-                </a:solidFill>
-                <a:latin typeface="Calibri"/>
-              </a:rPr>
-              <a:t>benchmarking, or turn to </a:t>
-            </a:r>
-            <a:r>
-              <a:rPr b="0" lang="en-US" sz="4000" spc="-1" strike="noStrike">
-                <a:solidFill>
-                  <a:schemeClr val="dk1"/>
-                </a:solidFill>
-                <a:latin typeface="Calibri"/>
-              </a:rPr>
-              <a:t>architectural simulators.</a:t>
-            </a:r>
-            <a:endParaRPr b="0" lang="en-US" sz="4000" spc="-1" strike="noStrike">
-              <a:solidFill>
-                <a:schemeClr val="dk1"/>
-              </a:solidFill>
-              <a:latin typeface="Calibri"/>
-            </a:endParaRPr>
-          </a:p>
-          <a:p>
-            <a:pPr marL="432000" indent="-324000">
-              <a:spcBef>
-                <a:spcPts val="1417"/>
-              </a:spcBef>
-              <a:buClr>
-                <a:srgbClr val="000000"/>
-              </a:buClr>
-              <a:buSzPct val="45000"/>
-              <a:buFont typeface="Wingdings" charset="2"/>
-              <a:buChar char=""/>
-            </a:pPr>
-            <a:r>
-              <a:rPr b="0" lang="en-US" sz="4000" spc="-1" strike="noStrike">
-                <a:solidFill>
-                  <a:schemeClr val="dk1"/>
-                </a:solidFill>
-                <a:latin typeface="Calibri"/>
-              </a:rPr>
-              <a:t>Lack effective tools for </a:t>
-            </a:r>
-            <a:r>
-              <a:rPr b="0" lang="en-US" sz="4000" spc="-1" strike="noStrike">
-                <a:solidFill>
-                  <a:schemeClr val="dk1"/>
-                </a:solidFill>
-                <a:latin typeface="Calibri"/>
-              </a:rPr>
-              <a:t>development and thorough </a:t>
-            </a:r>
-            <a:r>
-              <a:rPr b="0" lang="en-US" sz="4000" spc="-1" strike="noStrike">
-                <a:solidFill>
-                  <a:schemeClr val="dk1"/>
-                </a:solidFill>
-                <a:latin typeface="Calibri"/>
-              </a:rPr>
-              <a:t>testing on real-world benchmarks. </a:t>
-            </a:r>
-            <a:r>
-              <a:rPr b="0" lang="en-US" sz="4000" spc="-1" strike="noStrike">
-                <a:solidFill>
-                  <a:schemeClr val="dk1"/>
-                </a:solidFill>
-                <a:latin typeface="Calibri"/>
-              </a:rPr>
-              <a:t>This work defines a methodology </a:t>
-            </a:r>
-            <a:r>
-              <a:rPr b="0" lang="en-US" sz="4000" spc="-1" strike="noStrike">
-                <a:solidFill>
-                  <a:schemeClr val="dk1"/>
-                </a:solidFill>
-                <a:latin typeface="Calibri"/>
-              </a:rPr>
-              <a:t>for implementing and evaluating </a:t>
-            </a:r>
-            <a:r>
-              <a:rPr b="0" lang="en-US" sz="4000" spc="-1" strike="noStrike">
-                <a:solidFill>
-                  <a:schemeClr val="dk1"/>
-                </a:solidFill>
-                <a:latin typeface="Calibri"/>
-              </a:rPr>
-              <a:t>contributions to open-source TEEs </a:t>
-            </a:r>
-            <a:r>
-              <a:rPr b="0" lang="en-US" sz="4000" spc="-1" strike="noStrike">
-                <a:solidFill>
-                  <a:schemeClr val="dk1"/>
-                </a:solidFill>
-                <a:latin typeface="Calibri"/>
-              </a:rPr>
-              <a:t>within state-of-the-art </a:t>
-            </a:r>
-            <a:r>
-              <a:rPr b="0" lang="en-US" sz="4000" spc="-1" strike="noStrike">
-                <a:solidFill>
-                  <a:schemeClr val="dk1"/>
-                </a:solidFill>
-                <a:latin typeface="Calibri"/>
-              </a:rPr>
-              <a:t>architectural simulators.</a:t>
-            </a:r>
-            <a:endParaRPr b="0" lang="en-US" sz="4000" spc="-1" strike="noStrike">
-              <a:solidFill>
-                <a:schemeClr val="dk1"/>
-              </a:solidFill>
-              <a:latin typeface="Calibri"/>
-            </a:endParaRPr>
-          </a:p>
-        </p:txBody>
-      </p:sp>
-      <p:sp>
-        <p:nvSpPr>
-          <p:cNvPr id="51" name="PlaceHolder 7"/>
-          <p:cNvSpPr>
-            <a:spLocks noGrp="1"/>
-          </p:cNvSpPr>
-          <p:nvPr>
-            <p:ph/>
-          </p:nvPr>
-        </p:nvSpPr>
-        <p:spPr>
-          <a:xfrm>
-            <a:off x="33874200" y="1980720"/>
-            <a:ext cx="9143640" cy="799920"/>
-          </a:xfrm>
-          <a:prstGeom prst="rect">
-            <a:avLst/>
-          </a:prstGeom>
-          <a:noFill/>
-          <a:ln w="0">
-            <a:noFill/>
-          </a:ln>
-        </p:spPr>
-        <p:txBody>
-          <a:bodyPr lIns="91440" rIns="91440" tIns="91440" bIns="91440" anchor="ctr">
-            <a:noAutofit/>
-          </a:bodyPr>
-          <a:p>
-            <a:pPr indent="0">
-              <a:spcBef>
-                <a:spcPts val="1417"/>
-              </a:spcBef>
-              <a:buNone/>
-            </a:pPr>
-            <a:endParaRPr b="1" lang="en-US" sz="4000" spc="-1" strike="noStrike" u="sng">
-              <a:solidFill>
-                <a:schemeClr val="accent6"/>
-              </a:solidFill>
-              <a:uFillTx/>
-              <a:latin typeface="Calibri"/>
-            </a:endParaRPr>
-          </a:p>
-        </p:txBody>
-      </p:sp>
-      <p:sp>
-        <p:nvSpPr>
-          <p:cNvPr id="52" name="PlaceHolder 8"/>
-          <p:cNvSpPr>
-            <a:spLocks noGrp="1"/>
-          </p:cNvSpPr>
-          <p:nvPr>
-            <p:ph/>
-          </p:nvPr>
-        </p:nvSpPr>
-        <p:spPr>
-          <a:xfrm>
-            <a:off x="33874200" y="2881800"/>
-            <a:ext cx="9143640" cy="953640"/>
-          </a:xfrm>
-          <a:prstGeom prst="rect">
-            <a:avLst/>
-          </a:prstGeom>
-          <a:noFill/>
-          <a:ln w="0">
-            <a:noFill/>
-          </a:ln>
-        </p:spPr>
-        <p:txBody>
-          <a:bodyPr lIns="228600" rIns="228600" tIns="228600" bIns="228600" anchor="t">
-            <a:noAutofit/>
-          </a:bodyPr>
-          <a:p>
-            <a:pPr indent="0">
-              <a:spcBef>
-                <a:spcPts val="1417"/>
-              </a:spcBef>
-              <a:buNone/>
-            </a:pPr>
-            <a:endParaRPr b="0" lang="en-US" sz="3200" spc="-1" strike="noStrike">
-              <a:solidFill>
-                <a:schemeClr val="dk2"/>
-              </a:solidFill>
-              <a:latin typeface="Calibri"/>
-            </a:endParaRPr>
-          </a:p>
-        </p:txBody>
-      </p:sp>
-      <p:sp>
-        <p:nvSpPr>
-          <p:cNvPr id="53" name="PlaceHolder 9"/>
-          <p:cNvSpPr>
-            <a:spLocks noGrp="1"/>
-          </p:cNvSpPr>
-          <p:nvPr>
-            <p:ph/>
-          </p:nvPr>
-        </p:nvSpPr>
-        <p:spPr>
-          <a:xfrm>
-            <a:off x="922680" y="1926000"/>
-            <a:ext cx="10050120" cy="3560400"/>
-          </a:xfrm>
-          <a:prstGeom prst="rect">
-            <a:avLst/>
-          </a:prstGeom>
-          <a:noFill/>
-          <a:ln w="0">
-            <a:noFill/>
-          </a:ln>
-        </p:spPr>
-        <p:txBody>
-          <a:bodyPr lIns="90000" rIns="90000" tIns="45000" bIns="45000" anchor="t">
-            <a:noAutofit/>
-          </a:bodyPr>
-          <a:p>
-            <a:pPr indent="0" defTabSz="4388760">
-              <a:lnSpc>
-                <a:spcPct val="100000"/>
-              </a:lnSpc>
-              <a:spcBef>
-                <a:spcPts val="1321"/>
-              </a:spcBef>
-              <a:tabLst>
-                <a:tab algn="l" pos="0"/>
-              </a:tabLst>
-            </a:pPr>
-            <a:r>
-              <a:rPr b="1" lang="en-US" sz="6600" spc="-1" strike="noStrike">
-                <a:solidFill>
-                  <a:schemeClr val="dk2"/>
-                </a:solidFill>
-                <a:latin typeface="Calibri"/>
-              </a:rPr>
-              <a:t>Extending Keystone within the gem5 Architectural Simulator</a:t>
-            </a:r>
-            <a:endParaRPr b="1" lang="en-US" sz="6600" spc="-1" strike="noStrike">
-              <a:solidFill>
-                <a:schemeClr val="dk2"/>
-              </a:solidFill>
-              <a:latin typeface="Calibri"/>
-            </a:endParaRPr>
-          </a:p>
-        </p:txBody>
-      </p:sp>
-      <p:sp>
-        <p:nvSpPr>
-          <p:cNvPr id="54" name=""/>
+          <p:cNvPr id="24" name=""/>
           <p:cNvSpPr/>
           <p:nvPr/>
         </p:nvSpPr>
         <p:spPr>
           <a:xfrm>
             <a:off x="0" y="31932000"/>
-            <a:ext cx="10972800" cy="1022400"/>
+            <a:ext cx="10972440" cy="1022040"/>
           </a:xfrm>
           <a:prstGeom prst="rect">
             <a:avLst/>
@@ -7330,6 +6046,11 @@
             <a:noAutofit/>
           </a:bodyPr>
           <a:p>
+            <a:pPr>
+              <a:lnSpc>
+                <a:spcPct val="100000"/>
+              </a:lnSpc>
+            </a:pPr>
             <a:endParaRPr b="0" lang="en-US" sz="1800" spc="-1" strike="noStrike">
               <a:solidFill>
                 <a:srgbClr val="ffffff"/>
